--- a/Images.pptx
+++ b/Images.pptx
@@ -6,6 +6,7 @@
   </p:sldMasterIdLst>
   <p:sldIdLst>
     <p:sldId id="256" r:id="rId2"/>
+    <p:sldId id="257" r:id="rId3"/>
   </p:sldIdLst>
   <p:sldSz cx="12192000" cy="6858000"/>
   <p:notesSz cx="6858000" cy="9144000"/>
@@ -104,6 +105,11 @@
       </a:defRPr>
     </a:lvl9pPr>
   </p:defaultTextStyle>
+  <p:extLst>
+    <p:ext uri="{EFAFB233-063F-42B5-8137-9DF3F51BA10A}">
+      <p15:sldGuideLst xmlns:p15="http://schemas.microsoft.com/office/powerpoint/2012/main"/>
+    </p:ext>
+  </p:extLst>
 </p:presentation>
 </file>
 
@@ -254,7 +260,7 @@
           <a:p>
             <a:fld id="{70B56875-DB38-482E-83CA-914525EB67B9}" type="datetimeFigureOut">
               <a:rPr lang="en-US" smtClean="0"/>
-              <a:t>2/15/2019</a:t>
+              <a:t>2/23/2019</a:t>
             </a:fld>
             <a:endParaRPr lang="en-US"/>
           </a:p>
@@ -452,7 +458,7 @@
           <a:p>
             <a:fld id="{70B56875-DB38-482E-83CA-914525EB67B9}" type="datetimeFigureOut">
               <a:rPr lang="en-US" smtClean="0"/>
-              <a:t>2/15/2019</a:t>
+              <a:t>2/23/2019</a:t>
             </a:fld>
             <a:endParaRPr lang="en-US"/>
           </a:p>
@@ -660,7 +666,7 @@
           <a:p>
             <a:fld id="{70B56875-DB38-482E-83CA-914525EB67B9}" type="datetimeFigureOut">
               <a:rPr lang="en-US" smtClean="0"/>
-              <a:t>2/15/2019</a:t>
+              <a:t>2/23/2019</a:t>
             </a:fld>
             <a:endParaRPr lang="en-US"/>
           </a:p>
@@ -858,7 +864,7 @@
           <a:p>
             <a:fld id="{70B56875-DB38-482E-83CA-914525EB67B9}" type="datetimeFigureOut">
               <a:rPr lang="en-US" smtClean="0"/>
-              <a:t>2/15/2019</a:t>
+              <a:t>2/23/2019</a:t>
             </a:fld>
             <a:endParaRPr lang="en-US"/>
           </a:p>
@@ -1133,7 +1139,7 @@
           <a:p>
             <a:fld id="{70B56875-DB38-482E-83CA-914525EB67B9}" type="datetimeFigureOut">
               <a:rPr lang="en-US" smtClean="0"/>
-              <a:t>2/15/2019</a:t>
+              <a:t>2/23/2019</a:t>
             </a:fld>
             <a:endParaRPr lang="en-US"/>
           </a:p>
@@ -1398,7 +1404,7 @@
           <a:p>
             <a:fld id="{70B56875-DB38-482E-83CA-914525EB67B9}" type="datetimeFigureOut">
               <a:rPr lang="en-US" smtClean="0"/>
-              <a:t>2/15/2019</a:t>
+              <a:t>2/23/2019</a:t>
             </a:fld>
             <a:endParaRPr lang="en-US"/>
           </a:p>
@@ -1810,7 +1816,7 @@
           <a:p>
             <a:fld id="{70B56875-DB38-482E-83CA-914525EB67B9}" type="datetimeFigureOut">
               <a:rPr lang="en-US" smtClean="0"/>
-              <a:t>2/15/2019</a:t>
+              <a:t>2/23/2019</a:t>
             </a:fld>
             <a:endParaRPr lang="en-US"/>
           </a:p>
@@ -1951,7 +1957,7 @@
           <a:p>
             <a:fld id="{70B56875-DB38-482E-83CA-914525EB67B9}" type="datetimeFigureOut">
               <a:rPr lang="en-US" smtClean="0"/>
-              <a:t>2/15/2019</a:t>
+              <a:t>2/23/2019</a:t>
             </a:fld>
             <a:endParaRPr lang="en-US"/>
           </a:p>
@@ -2064,7 +2070,7 @@
           <a:p>
             <a:fld id="{70B56875-DB38-482E-83CA-914525EB67B9}" type="datetimeFigureOut">
               <a:rPr lang="en-US" smtClean="0"/>
-              <a:t>2/15/2019</a:t>
+              <a:t>2/23/2019</a:t>
             </a:fld>
             <a:endParaRPr lang="en-US"/>
           </a:p>
@@ -2375,7 +2381,7 @@
           <a:p>
             <a:fld id="{70B56875-DB38-482E-83CA-914525EB67B9}" type="datetimeFigureOut">
               <a:rPr lang="en-US" smtClean="0"/>
-              <a:t>2/15/2019</a:t>
+              <a:t>2/23/2019</a:t>
             </a:fld>
             <a:endParaRPr lang="en-US"/>
           </a:p>
@@ -2663,7 +2669,7 @@
           <a:p>
             <a:fld id="{70B56875-DB38-482E-83CA-914525EB67B9}" type="datetimeFigureOut">
               <a:rPr lang="en-US" smtClean="0"/>
-              <a:t>2/15/2019</a:t>
+              <a:t>2/23/2019</a:t>
             </a:fld>
             <a:endParaRPr lang="en-US"/>
           </a:p>
@@ -2904,7 +2910,7 @@
           <a:p>
             <a:fld id="{70B56875-DB38-482E-83CA-914525EB67B9}" type="datetimeFigureOut">
               <a:rPr lang="en-US" smtClean="0"/>
-              <a:t>2/15/2019</a:t>
+              <a:t>2/23/2019</a:t>
             </a:fld>
             <a:endParaRPr lang="en-US"/>
           </a:p>
@@ -3321,53 +3327,6 @@
           <a:chExt cx="0" cy="0"/>
         </a:xfrm>
       </p:grpSpPr>
-      <p:pic>
-        <p:nvPicPr>
-          <p:cNvPr id="1026" name="Picture 2" descr="4 *Null &#10;18 *Null &#10;4 &#10;Nodo Puntero &#10;1 &#10;Null To Delete &#10;Nodo Puntero ">
-            <a:extLst>
-              <a:ext uri="{FF2B5EF4-FFF2-40B4-BE49-F238E27FC236}">
-                <a16:creationId xmlns:a16="http://schemas.microsoft.com/office/drawing/2014/main" id="{DDA17DB1-C5D2-4D97-8DD7-F6E93D5EF8C1}"/>
-              </a:ext>
-            </a:extLst>
-          </p:cNvPr>
-          <p:cNvPicPr>
-            <a:picLocks noChangeAspect="1" noChangeArrowheads="1"/>
-          </p:cNvPicPr>
-          <p:nvPr/>
-        </p:nvPicPr>
-        <p:blipFill>
-          <a:blip r:embed="rId2">
-            <a:extLst>
-              <a:ext uri="{28A0092B-C50C-407E-A947-70E740481C1C}">
-                <a14:useLocalDpi xmlns:a14="http://schemas.microsoft.com/office/drawing/2010/main" val="0"/>
-              </a:ext>
-            </a:extLst>
-          </a:blip>
-          <a:srcRect/>
-          <a:stretch>
-            <a:fillRect/>
-          </a:stretch>
-        </p:blipFill>
-        <p:spPr bwMode="auto">
-          <a:xfrm>
-            <a:off x="826812" y="964096"/>
-            <a:ext cx="4591050" cy="1447800"/>
-          </a:xfrm>
-          <a:prstGeom prst="rect">
-            <a:avLst/>
-          </a:prstGeom>
-          <a:noFill/>
-          <a:extLst>
-            <a:ext uri="{909E8E84-426E-40DD-AFC4-6F175D3DCCD1}">
-              <a14:hiddenFill xmlns:a14="http://schemas.microsoft.com/office/drawing/2010/main">
-                <a:solidFill>
-                  <a:srgbClr val="FFFFFF"/>
-                </a:solidFill>
-              </a14:hiddenFill>
-            </a:ext>
-          </a:extLst>
-        </p:spPr>
-      </p:pic>
       <p:sp>
         <p:nvSpPr>
           <p:cNvPr id="6" name="Rectangle: Rounded Corners 5">
@@ -3382,7 +3341,7 @@
         </p:nvSpPr>
         <p:spPr>
           <a:xfrm>
-            <a:off x="941112" y="3109229"/>
+            <a:off x="1265069" y="577345"/>
             <a:ext cx="440220" cy="424069"/>
           </a:xfrm>
           <a:prstGeom prst="roundRect">
@@ -3441,7 +3400,7 @@
         </p:nvSpPr>
         <p:spPr>
           <a:xfrm>
-            <a:off x="1443244" y="3197023"/>
+            <a:off x="1767201" y="665139"/>
             <a:ext cx="226757" cy="248480"/>
           </a:xfrm>
           <a:prstGeom prst="rightArrow">
@@ -3487,7 +3446,7 @@
         </p:nvSpPr>
         <p:spPr>
           <a:xfrm>
-            <a:off x="1228690" y="3533298"/>
+            <a:off x="1552647" y="1001414"/>
             <a:ext cx="651140" cy="338554"/>
           </a:xfrm>
           <a:prstGeom prst="rect">
@@ -3523,7 +3482,7 @@
         </p:nvSpPr>
         <p:spPr>
           <a:xfrm>
-            <a:off x="76406" y="2054706"/>
+            <a:off x="183203" y="1191602"/>
             <a:ext cx="226757" cy="248480"/>
           </a:xfrm>
           <a:prstGeom prst="rightArrow">
@@ -3572,7 +3531,7 @@
         </p:nvSpPr>
         <p:spPr>
           <a:xfrm rot="5400000">
-            <a:off x="76405" y="2373794"/>
+            <a:off x="183202" y="1510690"/>
             <a:ext cx="226757" cy="248480"/>
           </a:xfrm>
           <a:prstGeom prst="rightArrow">
@@ -3621,7 +3580,7 @@
         </p:nvSpPr>
         <p:spPr>
           <a:xfrm rot="10800000">
-            <a:off x="65544" y="2682021"/>
+            <a:off x="172341" y="1818917"/>
             <a:ext cx="226757" cy="248480"/>
           </a:xfrm>
           <a:prstGeom prst="rightArrow">
@@ -3670,7 +3629,7 @@
         </p:nvSpPr>
         <p:spPr>
           <a:xfrm rot="16200000">
-            <a:off x="76404" y="3001109"/>
+            <a:off x="183201" y="2138005"/>
             <a:ext cx="226757" cy="248480"/>
           </a:xfrm>
           <a:prstGeom prst="rightArrow">
@@ -3719,7 +3678,7 @@
         </p:nvSpPr>
         <p:spPr>
           <a:xfrm>
-            <a:off x="4499556" y="3011970"/>
+            <a:off x="3643459" y="2202787"/>
             <a:ext cx="309562" cy="901419"/>
           </a:xfrm>
           <a:prstGeom prst="rightArrow">
@@ -3769,7 +3728,7 @@
         </p:nvSpPr>
         <p:spPr>
           <a:xfrm>
-            <a:off x="1731913" y="3125349"/>
+            <a:off x="2055870" y="593465"/>
             <a:ext cx="440220" cy="424069"/>
           </a:xfrm>
           <a:prstGeom prst="roundRect">
@@ -3828,7 +3787,7 @@
         </p:nvSpPr>
         <p:spPr>
           <a:xfrm>
-            <a:off x="2238667" y="3213143"/>
+            <a:off x="2562624" y="681259"/>
             <a:ext cx="226757" cy="248480"/>
           </a:xfrm>
           <a:prstGeom prst="rightArrow">
@@ -3874,7 +3833,7 @@
         </p:nvSpPr>
         <p:spPr>
           <a:xfrm>
-            <a:off x="3269539" y="3168106"/>
+            <a:off x="3593496" y="636222"/>
             <a:ext cx="529312" cy="338554"/>
           </a:xfrm>
           <a:prstGeom prst="rect">
@@ -3918,7 +3877,7 @@
         </p:nvSpPr>
         <p:spPr>
           <a:xfrm>
-            <a:off x="1251252" y="2759848"/>
+            <a:off x="1575209" y="227964"/>
             <a:ext cx="785984" cy="338554"/>
           </a:xfrm>
           <a:prstGeom prst="rect">
@@ -3966,7 +3925,7 @@
         </p:nvSpPr>
         <p:spPr>
           <a:xfrm rot="5400000">
-            <a:off x="1042092" y="2823508"/>
+            <a:off x="1366049" y="291624"/>
             <a:ext cx="226757" cy="248480"/>
           </a:xfrm>
           <a:prstGeom prst="rightArrow">
@@ -4015,7 +3974,7 @@
         </p:nvSpPr>
         <p:spPr>
           <a:xfrm rot="16200000">
-            <a:off x="1042093" y="3573326"/>
+            <a:off x="1366050" y="1041442"/>
             <a:ext cx="226757" cy="248480"/>
           </a:xfrm>
           <a:prstGeom prst="rightArrow">
@@ -4061,7 +4020,7 @@
         </p:nvSpPr>
         <p:spPr>
           <a:xfrm>
-            <a:off x="2538281" y="3125349"/>
+            <a:off x="2862238" y="593465"/>
             <a:ext cx="440220" cy="424069"/>
           </a:xfrm>
           <a:prstGeom prst="roundRect">
@@ -4120,7 +4079,7 @@
         </p:nvSpPr>
         <p:spPr>
           <a:xfrm>
-            <a:off x="3045035" y="3213143"/>
+            <a:off x="3368992" y="681259"/>
             <a:ext cx="226757" cy="248480"/>
           </a:xfrm>
           <a:prstGeom prst="rightArrow">
@@ -4166,7 +4125,7 @@
         </p:nvSpPr>
         <p:spPr>
           <a:xfrm>
-            <a:off x="2850403" y="2760998"/>
+            <a:off x="3174360" y="229114"/>
             <a:ext cx="766557" cy="338554"/>
           </a:xfrm>
           <a:prstGeom prst="rect">
@@ -4214,7 +4173,7 @@
         </p:nvSpPr>
         <p:spPr>
           <a:xfrm rot="5400000">
-            <a:off x="2641243" y="2824658"/>
+            <a:off x="2965200" y="292774"/>
             <a:ext cx="226757" cy="248480"/>
           </a:xfrm>
           <a:prstGeom prst="rightArrow">
@@ -4251,42 +4210,6 @@
       </p:sp>
       <p:sp>
         <p:nvSpPr>
-          <p:cNvPr id="31" name="TextBox 30">
-            <a:extLst>
-              <a:ext uri="{FF2B5EF4-FFF2-40B4-BE49-F238E27FC236}">
-                <a16:creationId xmlns:a16="http://schemas.microsoft.com/office/drawing/2014/main" id="{CF6BD3C6-5F5C-41BD-A451-245144C3A5BF}"/>
-              </a:ext>
-            </a:extLst>
-          </p:cNvPr>
-          <p:cNvSpPr txBox="1"/>
-          <p:nvPr/>
-        </p:nvSpPr>
-        <p:spPr>
-          <a:xfrm>
-            <a:off x="2315726" y="5372124"/>
-            <a:ext cx="1086131" cy="338554"/>
-          </a:xfrm>
-          <a:prstGeom prst="rect">
-            <a:avLst/>
-          </a:prstGeom>
-          <a:noFill/>
-        </p:spPr>
-        <p:txBody>
-          <a:bodyPr wrap="none" rtlCol="0">
-            <a:spAutoFit/>
-          </a:bodyPr>
-          <a:lstStyle/>
-          <a:p>
-            <a:r>
-              <a:rPr lang="en-US" sz="1600" b="1" dirty="0"/>
-              <a:t>New Nodo</a:t>
-            </a:r>
-            <a:endParaRPr lang="en-US" b="1" dirty="0"/>
-          </a:p>
-        </p:txBody>
-      </p:sp>
-      <p:sp>
-        <p:nvSpPr>
           <p:cNvPr id="32" name="Rectangle: Rounded Corners 31">
             <a:extLst>
               <a:ext uri="{FF2B5EF4-FFF2-40B4-BE49-F238E27FC236}">
@@ -4533,10 +4456,10 @@
       </p:sp>
       <p:sp>
         <p:nvSpPr>
-          <p:cNvPr id="37" name="Arrow: Right 36">
-            <a:extLst>
-              <a:ext uri="{FF2B5EF4-FFF2-40B4-BE49-F238E27FC236}">
-                <a16:creationId xmlns:a16="http://schemas.microsoft.com/office/drawing/2014/main" id="{9592B553-00F4-44BA-B53A-D55E1A1E641B}"/>
+          <p:cNvPr id="38" name="Rectangle: Rounded Corners 37">
+            <a:extLst>
+              <a:ext uri="{FF2B5EF4-FFF2-40B4-BE49-F238E27FC236}">
+                <a16:creationId xmlns:a16="http://schemas.microsoft.com/office/drawing/2014/main" id="{80712BD5-322A-4711-92BD-9C1A40A11140}"/>
               </a:ext>
             </a:extLst>
           </p:cNvPr>
@@ -4544,13 +4467,219 @@
           <p:nvPr/>
         </p:nvSpPr>
         <p:spPr>
-          <a:xfrm rot="10800000" flipH="1">
-            <a:off x="3363935" y="5417161"/>
+          <a:xfrm>
+            <a:off x="3026225" y="4841156"/>
+            <a:ext cx="440220" cy="424069"/>
+          </a:xfrm>
+          <a:prstGeom prst="roundRect">
+            <a:avLst/>
+          </a:prstGeom>
+          <a:noFill/>
+          <a:ln w="38100">
+            <a:solidFill>
+              <a:schemeClr val="tx1"/>
+            </a:solidFill>
+          </a:ln>
+        </p:spPr>
+        <p:style>
+          <a:lnRef idx="2">
+            <a:schemeClr val="accent1">
+              <a:shade val="50000"/>
+            </a:schemeClr>
+          </a:lnRef>
+          <a:fillRef idx="1">
+            <a:schemeClr val="accent1"/>
+          </a:fillRef>
+          <a:effectRef idx="0">
+            <a:schemeClr val="accent1"/>
+          </a:effectRef>
+          <a:fontRef idx="minor">
+            <a:schemeClr val="lt1"/>
+          </a:fontRef>
+        </p:style>
+        <p:txBody>
+          <a:bodyPr rtlCol="0" anchor="ctr"/>
+          <a:lstStyle/>
+          <a:p>
+            <a:pPr algn="ctr"/>
+            <a:r>
+              <a:rPr lang="en-US" sz="1600" dirty="0">
+                <a:solidFill>
+                  <a:schemeClr val="tx1"/>
+                </a:solidFill>
+              </a:rPr>
+              <a:t>7</a:t>
+            </a:r>
+          </a:p>
+        </p:txBody>
+      </p:sp>
+      <p:sp>
+        <p:nvSpPr>
+          <p:cNvPr id="39" name="Arrow: Right 38">
+            <a:extLst>
+              <a:ext uri="{FF2B5EF4-FFF2-40B4-BE49-F238E27FC236}">
+                <a16:creationId xmlns:a16="http://schemas.microsoft.com/office/drawing/2014/main" id="{92A96386-AE2B-4D8C-AB85-240ECDC446C7}"/>
+              </a:ext>
+            </a:extLst>
+          </p:cNvPr>
+          <p:cNvSpPr/>
+          <p:nvPr/>
+        </p:nvSpPr>
+        <p:spPr>
+          <a:xfrm>
+            <a:off x="3532979" y="4928950"/>
             <a:ext cx="226757" cy="248480"/>
           </a:xfrm>
           <a:prstGeom prst="rightArrow">
             <a:avLst/>
           </a:prstGeom>
+        </p:spPr>
+        <p:style>
+          <a:lnRef idx="2">
+            <a:schemeClr val="accent1">
+              <a:shade val="50000"/>
+            </a:schemeClr>
+          </a:lnRef>
+          <a:fillRef idx="1">
+            <a:schemeClr val="accent1"/>
+          </a:fillRef>
+          <a:effectRef idx="0">
+            <a:schemeClr val="accent1"/>
+          </a:effectRef>
+          <a:fontRef idx="minor">
+            <a:schemeClr val="lt1"/>
+          </a:fontRef>
+        </p:style>
+        <p:txBody>
+          <a:bodyPr rtlCol="0" anchor="ctr"/>
+          <a:lstStyle/>
+          <a:p>
+            <a:pPr algn="ctr"/>
+            <a:endParaRPr lang="en-US"/>
+          </a:p>
+        </p:txBody>
+      </p:sp>
+      <p:sp>
+        <p:nvSpPr>
+          <p:cNvPr id="40" name="TextBox 39">
+            <a:extLst>
+              <a:ext uri="{FF2B5EF4-FFF2-40B4-BE49-F238E27FC236}">
+                <a16:creationId xmlns:a16="http://schemas.microsoft.com/office/drawing/2014/main" id="{F76E7A87-A93A-4D1E-8355-2BF1FC43B971}"/>
+              </a:ext>
+            </a:extLst>
+          </p:cNvPr>
+          <p:cNvSpPr txBox="1"/>
+          <p:nvPr/>
+        </p:nvSpPr>
+        <p:spPr>
+          <a:xfrm>
+            <a:off x="3338347" y="4476805"/>
+            <a:ext cx="766557" cy="338554"/>
+          </a:xfrm>
+          <a:prstGeom prst="rect">
+            <a:avLst/>
+          </a:prstGeom>
+          <a:noFill/>
+        </p:spPr>
+        <p:txBody>
+          <a:bodyPr wrap="none" rtlCol="0">
+            <a:spAutoFit/>
+          </a:bodyPr>
+          <a:lstStyle/>
+          <a:p>
+            <a:r>
+              <a:rPr lang="en-US" sz="1600" b="1" dirty="0">
+                <a:solidFill>
+                  <a:schemeClr val="accent2">
+                    <a:lumMod val="75000"/>
+                  </a:schemeClr>
+                </a:solidFill>
+              </a:rPr>
+              <a:t>Ultimo</a:t>
+            </a:r>
+            <a:endParaRPr lang="en-US" b="1" dirty="0">
+              <a:solidFill>
+                <a:schemeClr val="accent2">
+                  <a:lumMod val="75000"/>
+                </a:schemeClr>
+              </a:solidFill>
+            </a:endParaRPr>
+          </a:p>
+        </p:txBody>
+      </p:sp>
+      <p:sp>
+        <p:nvSpPr>
+          <p:cNvPr id="41" name="Arrow: Right 40">
+            <a:extLst>
+              <a:ext uri="{FF2B5EF4-FFF2-40B4-BE49-F238E27FC236}">
+                <a16:creationId xmlns:a16="http://schemas.microsoft.com/office/drawing/2014/main" id="{E88C9675-C25B-49F8-BC7E-C1F0D3714423}"/>
+              </a:ext>
+            </a:extLst>
+          </p:cNvPr>
+          <p:cNvSpPr/>
+          <p:nvPr/>
+        </p:nvSpPr>
+        <p:spPr>
+          <a:xfrm rot="5400000">
+            <a:off x="3129187" y="4540465"/>
+            <a:ext cx="226757" cy="248480"/>
+          </a:xfrm>
+          <a:prstGeom prst="rightArrow">
+            <a:avLst/>
+          </a:prstGeom>
+          <a:solidFill>
+            <a:schemeClr val="accent2"/>
+          </a:solidFill>
+        </p:spPr>
+        <p:style>
+          <a:lnRef idx="2">
+            <a:schemeClr val="accent2">
+              <a:shade val="50000"/>
+            </a:schemeClr>
+          </a:lnRef>
+          <a:fillRef idx="1">
+            <a:schemeClr val="accent2"/>
+          </a:fillRef>
+          <a:effectRef idx="0">
+            <a:schemeClr val="accent2"/>
+          </a:effectRef>
+          <a:fontRef idx="minor">
+            <a:schemeClr val="lt1"/>
+          </a:fontRef>
+        </p:style>
+        <p:txBody>
+          <a:bodyPr rtlCol="0" anchor="ctr"/>
+          <a:lstStyle/>
+          <a:p>
+            <a:pPr algn="ctr"/>
+            <a:endParaRPr lang="en-US"/>
+          </a:p>
+        </p:txBody>
+      </p:sp>
+      <p:sp>
+        <p:nvSpPr>
+          <p:cNvPr id="43" name="Arrow: Right 42">
+            <a:extLst>
+              <a:ext uri="{FF2B5EF4-FFF2-40B4-BE49-F238E27FC236}">
+                <a16:creationId xmlns:a16="http://schemas.microsoft.com/office/drawing/2014/main" id="{8BEF59CD-AFD3-4F8A-97A6-1BC2BFD792C8}"/>
+              </a:ext>
+            </a:extLst>
+          </p:cNvPr>
+          <p:cNvSpPr/>
+          <p:nvPr/>
+        </p:nvSpPr>
+        <p:spPr>
+          <a:xfrm>
+            <a:off x="4281806" y="4664705"/>
+            <a:ext cx="309562" cy="901419"/>
+          </a:xfrm>
+          <a:prstGeom prst="rightArrow">
+            <a:avLst>
+              <a:gd name="adj1" fmla="val 50000"/>
+              <a:gd name="adj2" fmla="val 64843"/>
+            </a:avLst>
+          </a:prstGeom>
+          <a:ln/>
         </p:spPr>
         <p:style>
           <a:lnRef idx="2">
@@ -4579,10 +4708,10 @@
       </p:sp>
       <p:sp>
         <p:nvSpPr>
-          <p:cNvPr id="38" name="Rectangle: Rounded Corners 37">
-            <a:extLst>
-              <a:ext uri="{FF2B5EF4-FFF2-40B4-BE49-F238E27FC236}">
-                <a16:creationId xmlns:a16="http://schemas.microsoft.com/office/drawing/2014/main" id="{80712BD5-322A-4711-92BD-9C1A40A11140}"/>
+          <p:cNvPr id="45" name="Rectangle: Rounded Corners 44">
+            <a:extLst>
+              <a:ext uri="{FF2B5EF4-FFF2-40B4-BE49-F238E27FC236}">
+                <a16:creationId xmlns:a16="http://schemas.microsoft.com/office/drawing/2014/main" id="{966C9E9B-EEC6-42ED-9F38-A6F6E17BACF2}"/>
               </a:ext>
             </a:extLst>
           </p:cNvPr>
@@ -4591,7 +4720,7 @@
         </p:nvSpPr>
         <p:spPr>
           <a:xfrm>
-            <a:off x="3026225" y="4841156"/>
+            <a:off x="4791148" y="4849038"/>
             <a:ext cx="440220" cy="424069"/>
           </a:xfrm>
           <a:prstGeom prst="roundRect">
@@ -4631,17 +4760,17 @@
                   <a:schemeClr val="tx1"/>
                 </a:solidFill>
               </a:rPr>
-              <a:t>7</a:t>
-            </a:r>
-          </a:p>
-        </p:txBody>
-      </p:sp>
-      <p:sp>
-        <p:nvSpPr>
-          <p:cNvPr id="39" name="Arrow: Right 38">
-            <a:extLst>
-              <a:ext uri="{FF2B5EF4-FFF2-40B4-BE49-F238E27FC236}">
-                <a16:creationId xmlns:a16="http://schemas.microsoft.com/office/drawing/2014/main" id="{92A96386-AE2B-4D8C-AB85-240ECDC446C7}"/>
+              <a:t>18</a:t>
+            </a:r>
+          </a:p>
+        </p:txBody>
+      </p:sp>
+      <p:sp>
+        <p:nvSpPr>
+          <p:cNvPr id="46" name="Arrow: Right 45">
+            <a:extLst>
+              <a:ext uri="{FF2B5EF4-FFF2-40B4-BE49-F238E27FC236}">
+                <a16:creationId xmlns:a16="http://schemas.microsoft.com/office/drawing/2014/main" id="{BCBBBF62-FF1A-486F-A1DB-56FAEE5B48D3}"/>
               </a:ext>
             </a:extLst>
           </p:cNvPr>
@@ -4650,7 +4779,7 @@
         </p:nvSpPr>
         <p:spPr>
           <a:xfrm>
-            <a:off x="3532979" y="4928950"/>
+            <a:off x="5297902" y="4936832"/>
             <a:ext cx="226757" cy="248480"/>
           </a:xfrm>
           <a:prstGeom prst="rightArrow">
@@ -4684,10 +4813,10 @@
       </p:sp>
       <p:sp>
         <p:nvSpPr>
-          <p:cNvPr id="40" name="TextBox 39">
-            <a:extLst>
-              <a:ext uri="{FF2B5EF4-FFF2-40B4-BE49-F238E27FC236}">
-                <a16:creationId xmlns:a16="http://schemas.microsoft.com/office/drawing/2014/main" id="{F76E7A87-A93A-4D1E-8355-2BF1FC43B971}"/>
+          <p:cNvPr id="47" name="TextBox 46">
+            <a:extLst>
+              <a:ext uri="{FF2B5EF4-FFF2-40B4-BE49-F238E27FC236}">
+                <a16:creationId xmlns:a16="http://schemas.microsoft.com/office/drawing/2014/main" id="{CDAF9BFA-B677-43C5-997B-ACAB5C7F9B65}"/>
               </a:ext>
             </a:extLst>
           </p:cNvPr>
@@ -4696,7 +4825,204 @@
         </p:nvSpPr>
         <p:spPr>
           <a:xfrm>
-            <a:off x="3338347" y="4476805"/>
+            <a:off x="7151339" y="4965869"/>
+            <a:ext cx="529312" cy="338554"/>
+          </a:xfrm>
+          <a:prstGeom prst="rect">
+            <a:avLst/>
+          </a:prstGeom>
+          <a:noFill/>
+        </p:spPr>
+        <p:txBody>
+          <a:bodyPr wrap="none" rtlCol="0">
+            <a:spAutoFit/>
+          </a:bodyPr>
+          <a:lstStyle/>
+          <a:p>
+            <a:r>
+              <a:rPr lang="en-US" sz="1600" b="1" dirty="0">
+                <a:solidFill>
+                  <a:schemeClr val="accent1"/>
+                </a:solidFill>
+              </a:rPr>
+              <a:t>Null</a:t>
+            </a:r>
+            <a:endParaRPr lang="en-US" b="1" dirty="0">
+              <a:solidFill>
+                <a:schemeClr val="accent1"/>
+              </a:solidFill>
+            </a:endParaRPr>
+          </a:p>
+        </p:txBody>
+      </p:sp>
+      <p:sp>
+        <p:nvSpPr>
+          <p:cNvPr id="48" name="TextBox 47">
+            <a:extLst>
+              <a:ext uri="{FF2B5EF4-FFF2-40B4-BE49-F238E27FC236}">
+                <a16:creationId xmlns:a16="http://schemas.microsoft.com/office/drawing/2014/main" id="{15917C02-5386-4F11-A75D-CD699B4931C4}"/>
+              </a:ext>
+            </a:extLst>
+          </p:cNvPr>
+          <p:cNvSpPr txBox="1"/>
+          <p:nvPr/>
+        </p:nvSpPr>
+        <p:spPr>
+          <a:xfrm>
+            <a:off x="6735510" y="4383171"/>
+            <a:ext cx="785984" cy="338554"/>
+          </a:xfrm>
+          <a:prstGeom prst="rect">
+            <a:avLst/>
+          </a:prstGeom>
+          <a:noFill/>
+        </p:spPr>
+        <p:txBody>
+          <a:bodyPr wrap="none" rtlCol="0">
+            <a:spAutoFit/>
+          </a:bodyPr>
+          <a:lstStyle/>
+          <a:p>
+            <a:r>
+              <a:rPr lang="en-US" sz="1600" b="1" dirty="0">
+                <a:solidFill>
+                  <a:schemeClr val="accent2">
+                    <a:lumMod val="75000"/>
+                  </a:schemeClr>
+                </a:solidFill>
+              </a:rPr>
+              <a:t>Cabeza</a:t>
+            </a:r>
+            <a:endParaRPr lang="en-US" b="1" dirty="0">
+              <a:solidFill>
+                <a:schemeClr val="accent2">
+                  <a:lumMod val="75000"/>
+                </a:schemeClr>
+              </a:solidFill>
+            </a:endParaRPr>
+          </a:p>
+        </p:txBody>
+      </p:sp>
+      <p:sp>
+        <p:nvSpPr>
+          <p:cNvPr id="51" name="Rectangle: Rounded Corners 50">
+            <a:extLst>
+              <a:ext uri="{FF2B5EF4-FFF2-40B4-BE49-F238E27FC236}">
+                <a16:creationId xmlns:a16="http://schemas.microsoft.com/office/drawing/2014/main" id="{A5266C22-B410-4491-86A3-A50E60B488DA}"/>
+              </a:ext>
+            </a:extLst>
+          </p:cNvPr>
+          <p:cNvSpPr/>
+          <p:nvPr/>
+        </p:nvSpPr>
+        <p:spPr>
+          <a:xfrm>
+            <a:off x="6439076" y="4936833"/>
+            <a:ext cx="440220" cy="424069"/>
+          </a:xfrm>
+          <a:prstGeom prst="roundRect">
+            <a:avLst/>
+          </a:prstGeom>
+          <a:noFill/>
+          <a:ln w="38100">
+            <a:solidFill>
+              <a:schemeClr val="tx1"/>
+            </a:solidFill>
+          </a:ln>
+        </p:spPr>
+        <p:style>
+          <a:lnRef idx="2">
+            <a:schemeClr val="accent1">
+              <a:shade val="50000"/>
+            </a:schemeClr>
+          </a:lnRef>
+          <a:fillRef idx="1">
+            <a:schemeClr val="accent1"/>
+          </a:fillRef>
+          <a:effectRef idx="0">
+            <a:schemeClr val="accent1"/>
+          </a:effectRef>
+          <a:fontRef idx="minor">
+            <a:schemeClr val="lt1"/>
+          </a:fontRef>
+        </p:style>
+        <p:txBody>
+          <a:bodyPr rtlCol="0" anchor="ctr"/>
+          <a:lstStyle/>
+          <a:p>
+            <a:pPr algn="ctr"/>
+            <a:r>
+              <a:rPr lang="en-US" sz="1600" dirty="0">
+                <a:solidFill>
+                  <a:schemeClr val="tx1"/>
+                </a:solidFill>
+              </a:rPr>
+              <a:t>7</a:t>
+            </a:r>
+          </a:p>
+        </p:txBody>
+      </p:sp>
+      <p:sp>
+        <p:nvSpPr>
+          <p:cNvPr id="52" name="Arrow: Right 51">
+            <a:extLst>
+              <a:ext uri="{FF2B5EF4-FFF2-40B4-BE49-F238E27FC236}">
+                <a16:creationId xmlns:a16="http://schemas.microsoft.com/office/drawing/2014/main" id="{B7629EF1-3E24-49B4-AA6F-D3F507AA6DA0}"/>
+              </a:ext>
+            </a:extLst>
+          </p:cNvPr>
+          <p:cNvSpPr/>
+          <p:nvPr/>
+        </p:nvSpPr>
+        <p:spPr>
+          <a:xfrm>
+            <a:off x="6945830" y="5024627"/>
+            <a:ext cx="226757" cy="248480"/>
+          </a:xfrm>
+          <a:prstGeom prst="rightArrow">
+            <a:avLst/>
+          </a:prstGeom>
+        </p:spPr>
+        <p:style>
+          <a:lnRef idx="2">
+            <a:schemeClr val="accent1">
+              <a:shade val="50000"/>
+            </a:schemeClr>
+          </a:lnRef>
+          <a:fillRef idx="1">
+            <a:schemeClr val="accent1"/>
+          </a:fillRef>
+          <a:effectRef idx="0">
+            <a:schemeClr val="accent1"/>
+          </a:effectRef>
+          <a:fontRef idx="minor">
+            <a:schemeClr val="lt1"/>
+          </a:fontRef>
+        </p:style>
+        <p:txBody>
+          <a:bodyPr rtlCol="0" anchor="ctr"/>
+          <a:lstStyle/>
+          <a:p>
+            <a:pPr algn="ctr"/>
+            <a:endParaRPr lang="en-US"/>
+          </a:p>
+        </p:txBody>
+      </p:sp>
+      <p:sp>
+        <p:nvSpPr>
+          <p:cNvPr id="53" name="TextBox 52">
+            <a:extLst>
+              <a:ext uri="{FF2B5EF4-FFF2-40B4-BE49-F238E27FC236}">
+                <a16:creationId xmlns:a16="http://schemas.microsoft.com/office/drawing/2014/main" id="{30F2C925-00A5-4E51-8FB3-C95A64A6593E}"/>
+              </a:ext>
+            </a:extLst>
+          </p:cNvPr>
+          <p:cNvSpPr txBox="1"/>
+          <p:nvPr/>
+        </p:nvSpPr>
+        <p:spPr>
+          <a:xfrm>
+            <a:off x="6751198" y="4572482"/>
             <a:ext cx="766557" cy="338554"/>
           </a:xfrm>
           <a:prstGeom prst="rect">
@@ -4732,10 +5058,10 @@
       </p:sp>
       <p:sp>
         <p:nvSpPr>
-          <p:cNvPr id="41" name="Arrow: Right 40">
-            <a:extLst>
-              <a:ext uri="{FF2B5EF4-FFF2-40B4-BE49-F238E27FC236}">
-                <a16:creationId xmlns:a16="http://schemas.microsoft.com/office/drawing/2014/main" id="{E88C9675-C25B-49F8-BC7E-C1F0D3714423}"/>
+          <p:cNvPr id="54" name="Arrow: Right 53">
+            <a:extLst>
+              <a:ext uri="{FF2B5EF4-FFF2-40B4-BE49-F238E27FC236}">
+                <a16:creationId xmlns:a16="http://schemas.microsoft.com/office/drawing/2014/main" id="{598AA8FE-CA9A-4D31-976D-F1E7D04C979A}"/>
               </a:ext>
             </a:extLst>
           </p:cNvPr>
@@ -4744,7 +5070,7 @@
         </p:nvSpPr>
         <p:spPr>
           <a:xfrm rot="5400000">
-            <a:off x="3129187" y="4540465"/>
+            <a:off x="6542038" y="4636142"/>
             <a:ext cx="226757" cy="248480"/>
           </a:xfrm>
           <a:prstGeom prst="rightArrow">
@@ -4781,10 +5107,10 @@
       </p:sp>
       <p:sp>
         <p:nvSpPr>
-          <p:cNvPr id="42" name="Rectangle: Rounded Corners 41">
-            <a:extLst>
-              <a:ext uri="{FF2B5EF4-FFF2-40B4-BE49-F238E27FC236}">
-                <a16:creationId xmlns:a16="http://schemas.microsoft.com/office/drawing/2014/main" id="{EF9FE554-7DF7-4F01-A36E-52F396476792}"/>
+          <p:cNvPr id="57" name="Arrow: Right 56">
+            <a:extLst>
+              <a:ext uri="{FF2B5EF4-FFF2-40B4-BE49-F238E27FC236}">
+                <a16:creationId xmlns:a16="http://schemas.microsoft.com/office/drawing/2014/main" id="{861BEDDA-73DA-432C-80AB-786F0A1A4FE7}"/>
               </a:ext>
             </a:extLst>
           </p:cNvPr>
@@ -4792,8 +5118,151 @@
           <p:nvPr/>
         </p:nvSpPr>
         <p:spPr>
-          <a:xfrm>
-            <a:off x="3664684" y="5329367"/>
+          <a:xfrm rot="16200000" flipV="1">
+            <a:off x="5302568" y="5245877"/>
+            <a:ext cx="226757" cy="248480"/>
+          </a:xfrm>
+          <a:prstGeom prst="rightArrow">
+            <a:avLst/>
+          </a:prstGeom>
+          <a:solidFill>
+            <a:schemeClr val="accent2"/>
+          </a:solidFill>
+        </p:spPr>
+        <p:style>
+          <a:lnRef idx="2">
+            <a:schemeClr val="accent2">
+              <a:shade val="50000"/>
+            </a:schemeClr>
+          </a:lnRef>
+          <a:fillRef idx="1">
+            <a:schemeClr val="accent2"/>
+          </a:fillRef>
+          <a:effectRef idx="0">
+            <a:schemeClr val="accent2"/>
+          </a:effectRef>
+          <a:fontRef idx="minor">
+            <a:schemeClr val="lt1"/>
+          </a:fontRef>
+        </p:style>
+        <p:txBody>
+          <a:bodyPr rtlCol="0" anchor="ctr"/>
+          <a:lstStyle/>
+          <a:p>
+            <a:pPr algn="ctr"/>
+            <a:endParaRPr lang="en-US"/>
+          </a:p>
+        </p:txBody>
+      </p:sp>
+      <p:sp>
+        <p:nvSpPr>
+          <p:cNvPr id="59" name="Arrow: Right 58">
+            <a:extLst>
+              <a:ext uri="{FF2B5EF4-FFF2-40B4-BE49-F238E27FC236}">
+                <a16:creationId xmlns:a16="http://schemas.microsoft.com/office/drawing/2014/main" id="{62F2F053-6AD0-40E6-B002-D02C91528447}"/>
+              </a:ext>
+            </a:extLst>
+          </p:cNvPr>
+          <p:cNvSpPr/>
+          <p:nvPr/>
+        </p:nvSpPr>
+        <p:spPr>
+          <a:xfrm>
+            <a:off x="6029149" y="4700523"/>
+            <a:ext cx="309562" cy="901419"/>
+          </a:xfrm>
+          <a:prstGeom prst="rightArrow">
+            <a:avLst>
+              <a:gd name="adj1" fmla="val 50000"/>
+              <a:gd name="adj2" fmla="val 64843"/>
+            </a:avLst>
+          </a:prstGeom>
+          <a:ln/>
+        </p:spPr>
+        <p:style>
+          <a:lnRef idx="2">
+            <a:schemeClr val="dk1">
+              <a:shade val="50000"/>
+            </a:schemeClr>
+          </a:lnRef>
+          <a:fillRef idx="1">
+            <a:schemeClr val="dk1"/>
+          </a:fillRef>
+          <a:effectRef idx="0">
+            <a:schemeClr val="dk1"/>
+          </a:effectRef>
+          <a:fontRef idx="minor">
+            <a:schemeClr val="lt1"/>
+          </a:fontRef>
+        </p:style>
+        <p:txBody>
+          <a:bodyPr rtlCol="0" anchor="ctr"/>
+          <a:lstStyle/>
+          <a:p>
+            <a:pPr algn="ctr"/>
+            <a:endParaRPr lang="en-US"/>
+          </a:p>
+        </p:txBody>
+      </p:sp>
+      <p:sp>
+        <p:nvSpPr>
+          <p:cNvPr id="61" name="TextBox 60">
+            <a:extLst>
+              <a:ext uri="{FF2B5EF4-FFF2-40B4-BE49-F238E27FC236}">
+                <a16:creationId xmlns:a16="http://schemas.microsoft.com/office/drawing/2014/main" id="{F44473D6-608B-4547-A2E7-FB7269ADE0B7}"/>
+              </a:ext>
+            </a:extLst>
+          </p:cNvPr>
+          <p:cNvSpPr txBox="1"/>
+          <p:nvPr/>
+        </p:nvSpPr>
+        <p:spPr>
+          <a:xfrm>
+            <a:off x="3150213" y="2547366"/>
+            <a:ext cx="529312" cy="338554"/>
+          </a:xfrm>
+          <a:prstGeom prst="rect">
+            <a:avLst/>
+          </a:prstGeom>
+          <a:noFill/>
+        </p:spPr>
+        <p:txBody>
+          <a:bodyPr wrap="none" rtlCol="0">
+            <a:spAutoFit/>
+          </a:bodyPr>
+          <a:lstStyle/>
+          <a:p>
+            <a:r>
+              <a:rPr lang="en-US" sz="1600" b="1" dirty="0">
+                <a:solidFill>
+                  <a:schemeClr val="accent1"/>
+                </a:solidFill>
+              </a:rPr>
+              <a:t>Null</a:t>
+            </a:r>
+            <a:endParaRPr lang="en-US" b="1" dirty="0">
+              <a:solidFill>
+                <a:schemeClr val="accent1"/>
+              </a:solidFill>
+            </a:endParaRPr>
+          </a:p>
+        </p:txBody>
+      </p:sp>
+      <p:sp>
+        <p:nvSpPr>
+          <p:cNvPr id="62" name="Rectangle: Rounded Corners 61">
+            <a:extLst>
+              <a:ext uri="{FF2B5EF4-FFF2-40B4-BE49-F238E27FC236}">
+                <a16:creationId xmlns:a16="http://schemas.microsoft.com/office/drawing/2014/main" id="{FD0CDCE2-029D-408A-9DB6-12F41D5F0F20}"/>
+              </a:ext>
+            </a:extLst>
+          </p:cNvPr>
+          <p:cNvSpPr/>
+          <p:nvPr/>
+        </p:nvSpPr>
+        <p:spPr>
+          <a:xfrm>
+            <a:off x="1664147" y="2514999"/>
             <a:ext cx="440220" cy="424069"/>
           </a:xfrm>
           <a:prstGeom prst="roundRect">
@@ -4828,6 +5297,208 @@
           <a:p>
             <a:pPr algn="ctr"/>
             <a:r>
+              <a:rPr lang="en-US" sz="1600" dirty="0">
+                <a:solidFill>
+                  <a:schemeClr val="tx1"/>
+                </a:solidFill>
+              </a:rPr>
+              <a:t>7</a:t>
+            </a:r>
+          </a:p>
+        </p:txBody>
+      </p:sp>
+      <p:sp>
+        <p:nvSpPr>
+          <p:cNvPr id="63" name="Arrow: Right 62">
+            <a:extLst>
+              <a:ext uri="{FF2B5EF4-FFF2-40B4-BE49-F238E27FC236}">
+                <a16:creationId xmlns:a16="http://schemas.microsoft.com/office/drawing/2014/main" id="{C606BCE5-B76E-4A3E-84D8-F30074A9F80A}"/>
+              </a:ext>
+            </a:extLst>
+          </p:cNvPr>
+          <p:cNvSpPr/>
+          <p:nvPr/>
+        </p:nvSpPr>
+        <p:spPr>
+          <a:xfrm>
+            <a:off x="2170901" y="2602793"/>
+            <a:ext cx="226757" cy="248480"/>
+          </a:xfrm>
+          <a:prstGeom prst="rightArrow">
+            <a:avLst/>
+          </a:prstGeom>
+        </p:spPr>
+        <p:style>
+          <a:lnRef idx="2">
+            <a:schemeClr val="accent1">
+              <a:shade val="50000"/>
+            </a:schemeClr>
+          </a:lnRef>
+          <a:fillRef idx="1">
+            <a:schemeClr val="accent1"/>
+          </a:fillRef>
+          <a:effectRef idx="0">
+            <a:schemeClr val="accent1"/>
+          </a:effectRef>
+          <a:fontRef idx="minor">
+            <a:schemeClr val="lt1"/>
+          </a:fontRef>
+        </p:style>
+        <p:txBody>
+          <a:bodyPr rtlCol="0" anchor="ctr"/>
+          <a:lstStyle/>
+          <a:p>
+            <a:pPr algn="ctr"/>
+            <a:endParaRPr lang="en-US"/>
+          </a:p>
+        </p:txBody>
+      </p:sp>
+      <p:sp>
+        <p:nvSpPr>
+          <p:cNvPr id="64" name="TextBox 63">
+            <a:extLst>
+              <a:ext uri="{FF2B5EF4-FFF2-40B4-BE49-F238E27FC236}">
+                <a16:creationId xmlns:a16="http://schemas.microsoft.com/office/drawing/2014/main" id="{FAC6E1E3-F19D-4C22-9BCF-4182D5C3F916}"/>
+              </a:ext>
+            </a:extLst>
+          </p:cNvPr>
+          <p:cNvSpPr txBox="1"/>
+          <p:nvPr/>
+        </p:nvSpPr>
+        <p:spPr>
+          <a:xfrm>
+            <a:off x="2011290" y="2156410"/>
+            <a:ext cx="611065" cy="338554"/>
+          </a:xfrm>
+          <a:prstGeom prst="rect">
+            <a:avLst/>
+          </a:prstGeom>
+          <a:noFill/>
+        </p:spPr>
+        <p:txBody>
+          <a:bodyPr wrap="none" rtlCol="0">
+            <a:spAutoFit/>
+          </a:bodyPr>
+          <a:lstStyle/>
+          <a:p>
+            <a:r>
+              <a:rPr lang="en-US" sz="1600" b="1" dirty="0">
+                <a:solidFill>
+                  <a:schemeClr val="accent2">
+                    <a:lumMod val="75000"/>
+                  </a:schemeClr>
+                </a:solidFill>
+              </a:rPr>
+              <a:t>Cima</a:t>
+            </a:r>
+            <a:endParaRPr lang="en-US" b="1" dirty="0">
+              <a:solidFill>
+                <a:schemeClr val="accent2">
+                  <a:lumMod val="75000"/>
+                </a:schemeClr>
+              </a:solidFill>
+            </a:endParaRPr>
+          </a:p>
+        </p:txBody>
+      </p:sp>
+      <p:sp>
+        <p:nvSpPr>
+          <p:cNvPr id="65" name="Arrow: Right 64">
+            <a:extLst>
+              <a:ext uri="{FF2B5EF4-FFF2-40B4-BE49-F238E27FC236}">
+                <a16:creationId xmlns:a16="http://schemas.microsoft.com/office/drawing/2014/main" id="{CBAC433E-21D7-4F0D-BF1C-96D6CCE79405}"/>
+              </a:ext>
+            </a:extLst>
+          </p:cNvPr>
+          <p:cNvSpPr/>
+          <p:nvPr/>
+        </p:nvSpPr>
+        <p:spPr>
+          <a:xfrm rot="5400000">
+            <a:off x="1802130" y="2220070"/>
+            <a:ext cx="226757" cy="248480"/>
+          </a:xfrm>
+          <a:prstGeom prst="rightArrow">
+            <a:avLst/>
+          </a:prstGeom>
+          <a:solidFill>
+            <a:schemeClr val="accent2"/>
+          </a:solidFill>
+        </p:spPr>
+        <p:style>
+          <a:lnRef idx="2">
+            <a:schemeClr val="accent2">
+              <a:shade val="50000"/>
+            </a:schemeClr>
+          </a:lnRef>
+          <a:fillRef idx="1">
+            <a:schemeClr val="accent2"/>
+          </a:fillRef>
+          <a:effectRef idx="0">
+            <a:schemeClr val="accent2"/>
+          </a:effectRef>
+          <a:fontRef idx="minor">
+            <a:schemeClr val="lt1"/>
+          </a:fontRef>
+        </p:style>
+        <p:txBody>
+          <a:bodyPr rtlCol="0" anchor="ctr"/>
+          <a:lstStyle/>
+          <a:p>
+            <a:pPr algn="ctr"/>
+            <a:endParaRPr lang="en-US"/>
+          </a:p>
+        </p:txBody>
+      </p:sp>
+      <p:sp>
+        <p:nvSpPr>
+          <p:cNvPr id="66" name="Rectangle: Rounded Corners 65">
+            <a:extLst>
+              <a:ext uri="{FF2B5EF4-FFF2-40B4-BE49-F238E27FC236}">
+                <a16:creationId xmlns:a16="http://schemas.microsoft.com/office/drawing/2014/main" id="{F20F7191-49B6-4BFC-8B6E-AC9EEF0B9760}"/>
+              </a:ext>
+            </a:extLst>
+          </p:cNvPr>
+          <p:cNvSpPr/>
+          <p:nvPr/>
+        </p:nvSpPr>
+        <p:spPr>
+          <a:xfrm>
+            <a:off x="2464192" y="2514998"/>
+            <a:ext cx="440220" cy="424069"/>
+          </a:xfrm>
+          <a:prstGeom prst="roundRect">
+            <a:avLst/>
+          </a:prstGeom>
+          <a:noFill/>
+          <a:ln w="38100">
+            <a:solidFill>
+              <a:schemeClr val="tx1"/>
+            </a:solidFill>
+          </a:ln>
+        </p:spPr>
+        <p:style>
+          <a:lnRef idx="2">
+            <a:schemeClr val="accent1">
+              <a:shade val="50000"/>
+            </a:schemeClr>
+          </a:lnRef>
+          <a:fillRef idx="1">
+            <a:schemeClr val="accent1"/>
+          </a:fillRef>
+          <a:effectRef idx="0">
+            <a:schemeClr val="accent1"/>
+          </a:effectRef>
+          <a:fontRef idx="minor">
+            <a:schemeClr val="lt1"/>
+          </a:fontRef>
+        </p:style>
+        <p:txBody>
+          <a:bodyPr rtlCol="0" anchor="ctr"/>
+          <a:lstStyle/>
+          <a:p>
+            <a:pPr algn="ctr"/>
+            <a:r>
               <a:rPr lang="en-US" dirty="0">
                 <a:solidFill>
                   <a:schemeClr val="tx1"/>
@@ -4840,10 +5511,10 @@
       </p:sp>
       <p:sp>
         <p:nvSpPr>
-          <p:cNvPr id="43" name="Arrow: Right 42">
-            <a:extLst>
-              <a:ext uri="{FF2B5EF4-FFF2-40B4-BE49-F238E27FC236}">
-                <a16:creationId xmlns:a16="http://schemas.microsoft.com/office/drawing/2014/main" id="{8BEF59CD-AFD3-4F8A-97A6-1BC2BFD792C8}"/>
+          <p:cNvPr id="67" name="Arrow: Right 66">
+            <a:extLst>
+              <a:ext uri="{FF2B5EF4-FFF2-40B4-BE49-F238E27FC236}">
+                <a16:creationId xmlns:a16="http://schemas.microsoft.com/office/drawing/2014/main" id="{39D56313-72EF-4D15-B59D-29BB14DFB919}"/>
               </a:ext>
             </a:extLst>
           </p:cNvPr>
@@ -4852,7 +5523,515 @@
         </p:nvSpPr>
         <p:spPr>
           <a:xfrm>
-            <a:off x="4281806" y="4664705"/>
+            <a:off x="2970946" y="2608176"/>
+            <a:ext cx="226757" cy="248480"/>
+          </a:xfrm>
+          <a:prstGeom prst="rightArrow">
+            <a:avLst/>
+          </a:prstGeom>
+        </p:spPr>
+        <p:style>
+          <a:lnRef idx="2">
+            <a:schemeClr val="accent1">
+              <a:shade val="50000"/>
+            </a:schemeClr>
+          </a:lnRef>
+          <a:fillRef idx="1">
+            <a:schemeClr val="accent1"/>
+          </a:fillRef>
+          <a:effectRef idx="0">
+            <a:schemeClr val="accent1"/>
+          </a:effectRef>
+          <a:fontRef idx="minor">
+            <a:schemeClr val="lt1"/>
+          </a:fontRef>
+        </p:style>
+        <p:txBody>
+          <a:bodyPr rtlCol="0" anchor="ctr"/>
+          <a:lstStyle/>
+          <a:p>
+            <a:pPr algn="ctr"/>
+            <a:endParaRPr lang="en-US"/>
+          </a:p>
+        </p:txBody>
+      </p:sp>
+      <p:sp>
+        <p:nvSpPr>
+          <p:cNvPr id="73" name="TextBox 72">
+            <a:extLst>
+              <a:ext uri="{FF2B5EF4-FFF2-40B4-BE49-F238E27FC236}">
+                <a16:creationId xmlns:a16="http://schemas.microsoft.com/office/drawing/2014/main" id="{23F08B6B-539D-4F4D-A3D9-9609EAF8A172}"/>
+              </a:ext>
+            </a:extLst>
+          </p:cNvPr>
+          <p:cNvSpPr txBox="1"/>
+          <p:nvPr/>
+        </p:nvSpPr>
+        <p:spPr>
+          <a:xfrm>
+            <a:off x="5479619" y="4877683"/>
+            <a:ext cx="529312" cy="338554"/>
+          </a:xfrm>
+          <a:prstGeom prst="rect">
+            <a:avLst/>
+          </a:prstGeom>
+          <a:noFill/>
+        </p:spPr>
+        <p:txBody>
+          <a:bodyPr wrap="none" rtlCol="0">
+            <a:spAutoFit/>
+          </a:bodyPr>
+          <a:lstStyle/>
+          <a:p>
+            <a:r>
+              <a:rPr lang="en-US" sz="1600" b="1" dirty="0">
+                <a:solidFill>
+                  <a:schemeClr val="accent1"/>
+                </a:solidFill>
+              </a:rPr>
+              <a:t>Null</a:t>
+            </a:r>
+            <a:endParaRPr lang="en-US" b="1" dirty="0">
+              <a:solidFill>
+                <a:schemeClr val="accent1"/>
+              </a:solidFill>
+            </a:endParaRPr>
+          </a:p>
+        </p:txBody>
+      </p:sp>
+      <p:sp>
+        <p:nvSpPr>
+          <p:cNvPr id="76" name="Multiplication Sign 75">
+            <a:extLst>
+              <a:ext uri="{FF2B5EF4-FFF2-40B4-BE49-F238E27FC236}">
+                <a16:creationId xmlns:a16="http://schemas.microsoft.com/office/drawing/2014/main" id="{F86CD9FC-8FED-4663-81BD-45DA382CF101}"/>
+              </a:ext>
+            </a:extLst>
+          </p:cNvPr>
+          <p:cNvSpPr/>
+          <p:nvPr/>
+        </p:nvSpPr>
+        <p:spPr>
+          <a:xfrm>
+            <a:off x="5021936" y="5110777"/>
+            <a:ext cx="286715" cy="301470"/>
+          </a:xfrm>
+          <a:prstGeom prst="mathMultiply">
+            <a:avLst/>
+          </a:prstGeom>
+          <a:solidFill>
+            <a:srgbClr val="C00000"/>
+          </a:solidFill>
+          <a:ln>
+            <a:solidFill>
+              <a:schemeClr val="tx1"/>
+            </a:solidFill>
+          </a:ln>
+        </p:spPr>
+        <p:style>
+          <a:lnRef idx="2">
+            <a:schemeClr val="accent1">
+              <a:shade val="50000"/>
+            </a:schemeClr>
+          </a:lnRef>
+          <a:fillRef idx="1">
+            <a:schemeClr val="accent1"/>
+          </a:fillRef>
+          <a:effectRef idx="0">
+            <a:schemeClr val="accent1"/>
+          </a:effectRef>
+          <a:fontRef idx="minor">
+            <a:schemeClr val="lt1"/>
+          </a:fontRef>
+        </p:style>
+        <p:txBody>
+          <a:bodyPr rtlCol="0" anchor="ctr"/>
+          <a:lstStyle/>
+          <a:p>
+            <a:pPr algn="ctr"/>
+            <a:endParaRPr lang="en-US"/>
+          </a:p>
+        </p:txBody>
+      </p:sp>
+      <p:sp>
+        <p:nvSpPr>
+          <p:cNvPr id="77" name="Rectangle: Rounded Corners 76">
+            <a:extLst>
+              <a:ext uri="{FF2B5EF4-FFF2-40B4-BE49-F238E27FC236}">
+                <a16:creationId xmlns:a16="http://schemas.microsoft.com/office/drawing/2014/main" id="{C93EB17C-80DA-4527-ABA1-3F5396B48F71}"/>
+              </a:ext>
+            </a:extLst>
+          </p:cNvPr>
+          <p:cNvSpPr/>
+          <p:nvPr/>
+        </p:nvSpPr>
+        <p:spPr>
+          <a:xfrm>
+            <a:off x="4641341" y="4071284"/>
+            <a:ext cx="440220" cy="424069"/>
+          </a:xfrm>
+          <a:prstGeom prst="roundRect">
+            <a:avLst/>
+          </a:prstGeom>
+          <a:noFill/>
+          <a:ln w="38100">
+            <a:solidFill>
+              <a:schemeClr val="tx1"/>
+            </a:solidFill>
+          </a:ln>
+        </p:spPr>
+        <p:style>
+          <a:lnRef idx="2">
+            <a:schemeClr val="accent1">
+              <a:shade val="50000"/>
+            </a:schemeClr>
+          </a:lnRef>
+          <a:fillRef idx="1">
+            <a:schemeClr val="accent1"/>
+          </a:fillRef>
+          <a:effectRef idx="0">
+            <a:schemeClr val="accent1"/>
+          </a:effectRef>
+          <a:fontRef idx="minor">
+            <a:schemeClr val="lt1"/>
+          </a:fontRef>
+        </p:style>
+        <p:txBody>
+          <a:bodyPr rtlCol="0" anchor="ctr"/>
+          <a:lstStyle/>
+          <a:p>
+            <a:pPr algn="ctr"/>
+            <a:r>
+              <a:rPr lang="en-US" sz="1600" dirty="0">
+                <a:solidFill>
+                  <a:schemeClr val="tx1"/>
+                </a:solidFill>
+              </a:rPr>
+              <a:t>18</a:t>
+            </a:r>
+          </a:p>
+        </p:txBody>
+      </p:sp>
+      <p:sp>
+        <p:nvSpPr>
+          <p:cNvPr id="84" name="Rectangle: Rounded Corners 83">
+            <a:extLst>
+              <a:ext uri="{FF2B5EF4-FFF2-40B4-BE49-F238E27FC236}">
+                <a16:creationId xmlns:a16="http://schemas.microsoft.com/office/drawing/2014/main" id="{B2CAC7FA-33DA-412B-A981-E87810D0DC22}"/>
+              </a:ext>
+            </a:extLst>
+          </p:cNvPr>
+          <p:cNvSpPr/>
+          <p:nvPr/>
+        </p:nvSpPr>
+        <p:spPr>
+          <a:xfrm>
+            <a:off x="4032931" y="2477486"/>
+            <a:ext cx="440220" cy="424069"/>
+          </a:xfrm>
+          <a:prstGeom prst="roundRect">
+            <a:avLst/>
+          </a:prstGeom>
+          <a:noFill/>
+          <a:ln w="38100">
+            <a:solidFill>
+              <a:schemeClr val="tx1"/>
+            </a:solidFill>
+          </a:ln>
+        </p:spPr>
+        <p:style>
+          <a:lnRef idx="2">
+            <a:schemeClr val="accent1">
+              <a:shade val="50000"/>
+            </a:schemeClr>
+          </a:lnRef>
+          <a:fillRef idx="1">
+            <a:schemeClr val="accent1"/>
+          </a:fillRef>
+          <a:effectRef idx="0">
+            <a:schemeClr val="accent1"/>
+          </a:effectRef>
+          <a:fontRef idx="minor">
+            <a:schemeClr val="lt1"/>
+          </a:fontRef>
+        </p:style>
+        <p:txBody>
+          <a:bodyPr rtlCol="0" anchor="ctr"/>
+          <a:lstStyle/>
+          <a:p>
+            <a:pPr algn="ctr"/>
+            <a:r>
+              <a:rPr lang="en-US" sz="1600" dirty="0">
+                <a:solidFill>
+                  <a:schemeClr val="tx1"/>
+                </a:solidFill>
+              </a:rPr>
+              <a:t>7</a:t>
+            </a:r>
+          </a:p>
+        </p:txBody>
+      </p:sp>
+      <p:sp>
+        <p:nvSpPr>
+          <p:cNvPr id="86" name="TextBox 85">
+            <a:extLst>
+              <a:ext uri="{FF2B5EF4-FFF2-40B4-BE49-F238E27FC236}">
+                <a16:creationId xmlns:a16="http://schemas.microsoft.com/office/drawing/2014/main" id="{60A197D1-F76B-401F-B319-236D4FE8D887}"/>
+              </a:ext>
+            </a:extLst>
+          </p:cNvPr>
+          <p:cNvSpPr txBox="1"/>
+          <p:nvPr/>
+        </p:nvSpPr>
+        <p:spPr>
+          <a:xfrm>
+            <a:off x="5170303" y="2116631"/>
+            <a:ext cx="611065" cy="338554"/>
+          </a:xfrm>
+          <a:prstGeom prst="rect">
+            <a:avLst/>
+          </a:prstGeom>
+          <a:noFill/>
+        </p:spPr>
+        <p:txBody>
+          <a:bodyPr wrap="none" rtlCol="0">
+            <a:spAutoFit/>
+          </a:bodyPr>
+          <a:lstStyle/>
+          <a:p>
+            <a:r>
+              <a:rPr lang="en-US" sz="1600" b="1" dirty="0">
+                <a:solidFill>
+                  <a:schemeClr val="accent2">
+                    <a:lumMod val="75000"/>
+                  </a:schemeClr>
+                </a:solidFill>
+              </a:rPr>
+              <a:t>Cima</a:t>
+            </a:r>
+            <a:endParaRPr lang="en-US" b="1" dirty="0">
+              <a:solidFill>
+                <a:schemeClr val="accent2">
+                  <a:lumMod val="75000"/>
+                </a:schemeClr>
+              </a:solidFill>
+            </a:endParaRPr>
+          </a:p>
+        </p:txBody>
+      </p:sp>
+      <p:sp>
+        <p:nvSpPr>
+          <p:cNvPr id="87" name="Arrow: Right 86">
+            <a:extLst>
+              <a:ext uri="{FF2B5EF4-FFF2-40B4-BE49-F238E27FC236}">
+                <a16:creationId xmlns:a16="http://schemas.microsoft.com/office/drawing/2014/main" id="{3D05500C-9AE2-43A3-BC71-2BD79679ED4A}"/>
+              </a:ext>
+            </a:extLst>
+          </p:cNvPr>
+          <p:cNvSpPr/>
+          <p:nvPr/>
+        </p:nvSpPr>
+        <p:spPr>
+          <a:xfrm rot="5400000">
+            <a:off x="4961143" y="2180291"/>
+            <a:ext cx="226757" cy="248480"/>
+          </a:xfrm>
+          <a:prstGeom prst="rightArrow">
+            <a:avLst/>
+          </a:prstGeom>
+          <a:solidFill>
+            <a:schemeClr val="accent2"/>
+          </a:solidFill>
+        </p:spPr>
+        <p:style>
+          <a:lnRef idx="2">
+            <a:schemeClr val="accent2">
+              <a:shade val="50000"/>
+            </a:schemeClr>
+          </a:lnRef>
+          <a:fillRef idx="1">
+            <a:schemeClr val="accent2"/>
+          </a:fillRef>
+          <a:effectRef idx="0">
+            <a:schemeClr val="accent2"/>
+          </a:effectRef>
+          <a:fontRef idx="minor">
+            <a:schemeClr val="lt1"/>
+          </a:fontRef>
+        </p:style>
+        <p:txBody>
+          <a:bodyPr rtlCol="0" anchor="ctr"/>
+          <a:lstStyle/>
+          <a:p>
+            <a:pPr algn="ctr"/>
+            <a:endParaRPr lang="en-US"/>
+          </a:p>
+        </p:txBody>
+      </p:sp>
+      <p:sp>
+        <p:nvSpPr>
+          <p:cNvPr id="88" name="Rectangle: Rounded Corners 87">
+            <a:extLst>
+              <a:ext uri="{FF2B5EF4-FFF2-40B4-BE49-F238E27FC236}">
+                <a16:creationId xmlns:a16="http://schemas.microsoft.com/office/drawing/2014/main" id="{0C3F6A3B-DFDB-41E2-994C-C943010781E9}"/>
+              </a:ext>
+            </a:extLst>
+          </p:cNvPr>
+          <p:cNvSpPr/>
+          <p:nvPr/>
+        </p:nvSpPr>
+        <p:spPr>
+          <a:xfrm>
+            <a:off x="4832976" y="2477485"/>
+            <a:ext cx="440220" cy="424069"/>
+          </a:xfrm>
+          <a:prstGeom prst="roundRect">
+            <a:avLst/>
+          </a:prstGeom>
+          <a:noFill/>
+          <a:ln w="38100">
+            <a:solidFill>
+              <a:schemeClr val="tx1"/>
+            </a:solidFill>
+          </a:ln>
+        </p:spPr>
+        <p:style>
+          <a:lnRef idx="2">
+            <a:schemeClr val="accent1">
+              <a:shade val="50000"/>
+            </a:schemeClr>
+          </a:lnRef>
+          <a:fillRef idx="1">
+            <a:schemeClr val="accent1"/>
+          </a:fillRef>
+          <a:effectRef idx="0">
+            <a:schemeClr val="accent1"/>
+          </a:effectRef>
+          <a:fontRef idx="minor">
+            <a:schemeClr val="lt1"/>
+          </a:fontRef>
+        </p:style>
+        <p:txBody>
+          <a:bodyPr rtlCol="0" anchor="ctr"/>
+          <a:lstStyle/>
+          <a:p>
+            <a:pPr algn="ctr"/>
+            <a:r>
+              <a:rPr lang="en-US" dirty="0">
+                <a:solidFill>
+                  <a:schemeClr val="tx1"/>
+                </a:solidFill>
+              </a:rPr>
+              <a:t>4</a:t>
+            </a:r>
+          </a:p>
+        </p:txBody>
+      </p:sp>
+      <p:sp>
+        <p:nvSpPr>
+          <p:cNvPr id="89" name="Arrow: Right 88">
+            <a:extLst>
+              <a:ext uri="{FF2B5EF4-FFF2-40B4-BE49-F238E27FC236}">
+                <a16:creationId xmlns:a16="http://schemas.microsoft.com/office/drawing/2014/main" id="{0D724C11-B8CD-4FA5-B301-2010EE950074}"/>
+              </a:ext>
+            </a:extLst>
+          </p:cNvPr>
+          <p:cNvSpPr/>
+          <p:nvPr/>
+        </p:nvSpPr>
+        <p:spPr>
+          <a:xfrm>
+            <a:off x="5339730" y="2570663"/>
+            <a:ext cx="226757" cy="248480"/>
+          </a:xfrm>
+          <a:prstGeom prst="rightArrow">
+            <a:avLst/>
+          </a:prstGeom>
+        </p:spPr>
+        <p:style>
+          <a:lnRef idx="2">
+            <a:schemeClr val="accent1">
+              <a:shade val="50000"/>
+            </a:schemeClr>
+          </a:lnRef>
+          <a:fillRef idx="1">
+            <a:schemeClr val="accent1"/>
+          </a:fillRef>
+          <a:effectRef idx="0">
+            <a:schemeClr val="accent1"/>
+          </a:effectRef>
+          <a:fontRef idx="minor">
+            <a:schemeClr val="lt1"/>
+          </a:fontRef>
+        </p:style>
+        <p:txBody>
+          <a:bodyPr rtlCol="0" anchor="ctr"/>
+          <a:lstStyle/>
+          <a:p>
+            <a:pPr algn="ctr"/>
+            <a:endParaRPr lang="en-US"/>
+          </a:p>
+        </p:txBody>
+      </p:sp>
+      <p:sp>
+        <p:nvSpPr>
+          <p:cNvPr id="93" name="TextBox 92">
+            <a:extLst>
+              <a:ext uri="{FF2B5EF4-FFF2-40B4-BE49-F238E27FC236}">
+                <a16:creationId xmlns:a16="http://schemas.microsoft.com/office/drawing/2014/main" id="{16CBDFFD-F5FD-4CA8-9EA8-CCEE4FAA90AD}"/>
+              </a:ext>
+            </a:extLst>
+          </p:cNvPr>
+          <p:cNvSpPr txBox="1"/>
+          <p:nvPr/>
+        </p:nvSpPr>
+        <p:spPr>
+          <a:xfrm>
+            <a:off x="5519165" y="2525626"/>
+            <a:ext cx="529312" cy="338554"/>
+          </a:xfrm>
+          <a:prstGeom prst="rect">
+            <a:avLst/>
+          </a:prstGeom>
+          <a:noFill/>
+        </p:spPr>
+        <p:txBody>
+          <a:bodyPr wrap="none" rtlCol="0">
+            <a:spAutoFit/>
+          </a:bodyPr>
+          <a:lstStyle/>
+          <a:p>
+            <a:r>
+              <a:rPr lang="en-US" sz="1600" b="1" dirty="0">
+                <a:solidFill>
+                  <a:schemeClr val="accent1"/>
+                </a:solidFill>
+              </a:rPr>
+              <a:t>Null</a:t>
+            </a:r>
+            <a:endParaRPr lang="en-US" b="1" dirty="0">
+              <a:solidFill>
+                <a:schemeClr val="accent1"/>
+              </a:solidFill>
+            </a:endParaRPr>
+          </a:p>
+        </p:txBody>
+      </p:sp>
+      <p:sp>
+        <p:nvSpPr>
+          <p:cNvPr id="94" name="Arrow: Right 93">
+            <a:extLst>
+              <a:ext uri="{FF2B5EF4-FFF2-40B4-BE49-F238E27FC236}">
+                <a16:creationId xmlns:a16="http://schemas.microsoft.com/office/drawing/2014/main" id="{C88BA4CD-F7A2-4805-8F93-0E74CA186534}"/>
+              </a:ext>
+            </a:extLst>
+          </p:cNvPr>
+          <p:cNvSpPr/>
+          <p:nvPr/>
+        </p:nvSpPr>
+        <p:spPr>
+          <a:xfrm>
+            <a:off x="6973721" y="2554539"/>
             <a:ext cx="309562" cy="901419"/>
           </a:xfrm>
           <a:prstGeom prst="rightArrow">
@@ -4890,10 +6069,10 @@
       </p:sp>
       <p:sp>
         <p:nvSpPr>
-          <p:cNvPr id="45" name="Rectangle: Rounded Corners 44">
-            <a:extLst>
-              <a:ext uri="{FF2B5EF4-FFF2-40B4-BE49-F238E27FC236}">
-                <a16:creationId xmlns:a16="http://schemas.microsoft.com/office/drawing/2014/main" id="{966C9E9B-EEC6-42ED-9F38-A6F6E17BACF2}"/>
+          <p:cNvPr id="95" name="Rectangle: Rounded Corners 94">
+            <a:extLst>
+              <a:ext uri="{FF2B5EF4-FFF2-40B4-BE49-F238E27FC236}">
+                <a16:creationId xmlns:a16="http://schemas.microsoft.com/office/drawing/2014/main" id="{3C0C8220-A0CA-4E5C-80E7-04662AC6CEFD}"/>
               </a:ext>
             </a:extLst>
           </p:cNvPr>
@@ -4902,7 +6081,7 @@
         </p:nvSpPr>
         <p:spPr>
           <a:xfrm>
-            <a:off x="4791148" y="4849038"/>
+            <a:off x="7439169" y="2462658"/>
             <a:ext cx="440220" cy="424069"/>
           </a:xfrm>
           <a:prstGeom prst="roundRect">
@@ -4949,10 +6128,10 @@
       </p:sp>
       <p:sp>
         <p:nvSpPr>
-          <p:cNvPr id="46" name="Arrow: Right 45">
-            <a:extLst>
-              <a:ext uri="{FF2B5EF4-FFF2-40B4-BE49-F238E27FC236}">
-                <a16:creationId xmlns:a16="http://schemas.microsoft.com/office/drawing/2014/main" id="{BCBBBF62-FF1A-486F-A1DB-56FAEE5B48D3}"/>
+          <p:cNvPr id="98" name="Rectangle: Rounded Corners 97">
+            <a:extLst>
+              <a:ext uri="{FF2B5EF4-FFF2-40B4-BE49-F238E27FC236}">
+                <a16:creationId xmlns:a16="http://schemas.microsoft.com/office/drawing/2014/main" id="{DC9D312F-3292-4868-9B88-78E136C55ECA}"/>
               </a:ext>
             </a:extLst>
           </p:cNvPr>
@@ -4961,12 +6140,18 @@
         </p:nvSpPr>
         <p:spPr>
           <a:xfrm>
-            <a:off x="5297902" y="4936832"/>
-            <a:ext cx="226757" cy="248480"/>
-          </a:xfrm>
-          <a:prstGeom prst="rightArrow">
+            <a:off x="8252308" y="2466745"/>
+            <a:ext cx="440220" cy="424069"/>
+          </a:xfrm>
+          <a:prstGeom prst="roundRect">
             <a:avLst/>
           </a:prstGeom>
+          <a:noFill/>
+          <a:ln w="38100">
+            <a:solidFill>
+              <a:schemeClr val="tx1"/>
+            </a:solidFill>
+          </a:ln>
         </p:spPr>
         <p:style>
           <a:lnRef idx="2">
@@ -4989,108 +6174,23 @@
           <a:lstStyle/>
           <a:p>
             <a:pPr algn="ctr"/>
-            <a:endParaRPr lang="en-US"/>
-          </a:p>
-        </p:txBody>
-      </p:sp>
-      <p:sp>
-        <p:nvSpPr>
-          <p:cNvPr id="47" name="TextBox 46">
-            <a:extLst>
-              <a:ext uri="{FF2B5EF4-FFF2-40B4-BE49-F238E27FC236}">
-                <a16:creationId xmlns:a16="http://schemas.microsoft.com/office/drawing/2014/main" id="{CDAF9BFA-B677-43C5-997B-ACAB5C7F9B65}"/>
-              </a:ext>
-            </a:extLst>
-          </p:cNvPr>
-          <p:cNvSpPr txBox="1"/>
-          <p:nvPr/>
-        </p:nvSpPr>
-        <p:spPr>
-          <a:xfrm>
-            <a:off x="7109824" y="4897762"/>
-            <a:ext cx="529312" cy="338554"/>
-          </a:xfrm>
-          <a:prstGeom prst="rect">
-            <a:avLst/>
-          </a:prstGeom>
-          <a:noFill/>
-        </p:spPr>
-        <p:txBody>
-          <a:bodyPr wrap="none" rtlCol="0">
-            <a:spAutoFit/>
-          </a:bodyPr>
-          <a:lstStyle/>
-          <a:p>
-            <a:r>
-              <a:rPr lang="en-US" sz="1600" b="1" dirty="0">
+            <a:r>
+              <a:rPr lang="en-US" sz="1600" dirty="0">
                 <a:solidFill>
-                  <a:schemeClr val="accent1"/>
+                  <a:schemeClr val="tx1"/>
                 </a:solidFill>
               </a:rPr>
-              <a:t>Null</a:t>
-            </a:r>
-            <a:endParaRPr lang="en-US" b="1" dirty="0">
-              <a:solidFill>
-                <a:schemeClr val="accent1"/>
-              </a:solidFill>
-            </a:endParaRPr>
-          </a:p>
-        </p:txBody>
-      </p:sp>
-      <p:sp>
-        <p:nvSpPr>
-          <p:cNvPr id="48" name="TextBox 47">
-            <a:extLst>
-              <a:ext uri="{FF2B5EF4-FFF2-40B4-BE49-F238E27FC236}">
-                <a16:creationId xmlns:a16="http://schemas.microsoft.com/office/drawing/2014/main" id="{15917C02-5386-4F11-A75D-CD699B4931C4}"/>
-              </a:ext>
-            </a:extLst>
-          </p:cNvPr>
-          <p:cNvSpPr txBox="1"/>
-          <p:nvPr/>
-        </p:nvSpPr>
-        <p:spPr>
-          <a:xfrm>
-            <a:off x="4612369" y="4559208"/>
-            <a:ext cx="785984" cy="338554"/>
-          </a:xfrm>
-          <a:prstGeom prst="rect">
-            <a:avLst/>
-          </a:prstGeom>
-          <a:noFill/>
-        </p:spPr>
-        <p:txBody>
-          <a:bodyPr wrap="none" rtlCol="0">
-            <a:spAutoFit/>
-          </a:bodyPr>
-          <a:lstStyle/>
-          <a:p>
-            <a:r>
-              <a:rPr lang="en-US" sz="1600" b="1" dirty="0">
-                <a:solidFill>
-                  <a:schemeClr val="accent2">
-                    <a:lumMod val="75000"/>
-                  </a:schemeClr>
-                </a:solidFill>
-              </a:rPr>
-              <a:t>Cabeza</a:t>
-            </a:r>
-            <a:endParaRPr lang="en-US" b="1" dirty="0">
-              <a:solidFill>
-                <a:schemeClr val="accent2">
-                  <a:lumMod val="75000"/>
-                </a:schemeClr>
-              </a:solidFill>
-            </a:endParaRPr>
-          </a:p>
-        </p:txBody>
-      </p:sp>
-      <p:sp>
-        <p:nvSpPr>
-          <p:cNvPr id="51" name="Rectangle: Rounded Corners 50">
-            <a:extLst>
-              <a:ext uri="{FF2B5EF4-FFF2-40B4-BE49-F238E27FC236}">
-                <a16:creationId xmlns:a16="http://schemas.microsoft.com/office/drawing/2014/main" id="{A5266C22-B410-4491-86A3-A50E60B488DA}"/>
+              <a:t>7</a:t>
+            </a:r>
+          </a:p>
+        </p:txBody>
+      </p:sp>
+      <p:sp>
+        <p:nvSpPr>
+          <p:cNvPr id="99" name="Arrow: Right 98">
+            <a:extLst>
+              <a:ext uri="{FF2B5EF4-FFF2-40B4-BE49-F238E27FC236}">
+                <a16:creationId xmlns:a16="http://schemas.microsoft.com/office/drawing/2014/main" id="{5B05477D-D342-4C44-BB56-B4CBD666DAE0}"/>
               </a:ext>
             </a:extLst>
           </p:cNvPr>
@@ -5099,18 +6199,12 @@
         </p:nvSpPr>
         <p:spPr>
           <a:xfrm>
-            <a:off x="5597516" y="4849038"/>
-            <a:ext cx="440220" cy="424069"/>
-          </a:xfrm>
-          <a:prstGeom prst="roundRect">
+            <a:off x="8759062" y="2554539"/>
+            <a:ext cx="226757" cy="248480"/>
+          </a:xfrm>
+          <a:prstGeom prst="rightArrow">
             <a:avLst/>
           </a:prstGeom>
-          <a:noFill/>
-          <a:ln w="38100">
-            <a:solidFill>
-              <a:schemeClr val="tx1"/>
-            </a:solidFill>
-          </a:ln>
         </p:spPr>
         <p:style>
           <a:lnRef idx="2">
@@ -5133,23 +6227,64 @@
           <a:lstStyle/>
           <a:p>
             <a:pPr algn="ctr"/>
-            <a:r>
-              <a:rPr lang="en-US" sz="1600" dirty="0">
+            <a:endParaRPr lang="en-US"/>
+          </a:p>
+        </p:txBody>
+      </p:sp>
+      <p:sp>
+        <p:nvSpPr>
+          <p:cNvPr id="100" name="TextBox 99">
+            <a:extLst>
+              <a:ext uri="{FF2B5EF4-FFF2-40B4-BE49-F238E27FC236}">
+                <a16:creationId xmlns:a16="http://schemas.microsoft.com/office/drawing/2014/main" id="{07B241DF-FCCB-4FC1-A3D0-55A80C51C16E}"/>
+              </a:ext>
+            </a:extLst>
+          </p:cNvPr>
+          <p:cNvSpPr txBox="1"/>
+          <p:nvPr/>
+        </p:nvSpPr>
+        <p:spPr>
+          <a:xfrm>
+            <a:off x="7768900" y="2100791"/>
+            <a:ext cx="611065" cy="338554"/>
+          </a:xfrm>
+          <a:prstGeom prst="rect">
+            <a:avLst/>
+          </a:prstGeom>
+          <a:noFill/>
+        </p:spPr>
+        <p:txBody>
+          <a:bodyPr wrap="none" rtlCol="0">
+            <a:spAutoFit/>
+          </a:bodyPr>
+          <a:lstStyle/>
+          <a:p>
+            <a:r>
+              <a:rPr lang="en-US" sz="1600" b="1" dirty="0">
                 <a:solidFill>
-                  <a:schemeClr val="tx1"/>
+                  <a:schemeClr val="accent2">
+                    <a:lumMod val="75000"/>
+                  </a:schemeClr>
                 </a:solidFill>
               </a:rPr>
-              <a:t>7</a:t>
-            </a:r>
-          </a:p>
-        </p:txBody>
-      </p:sp>
-      <p:sp>
-        <p:nvSpPr>
-          <p:cNvPr id="52" name="Arrow: Right 51">
-            <a:extLst>
-              <a:ext uri="{FF2B5EF4-FFF2-40B4-BE49-F238E27FC236}">
-                <a16:creationId xmlns:a16="http://schemas.microsoft.com/office/drawing/2014/main" id="{B7629EF1-3E24-49B4-AA6F-D3F507AA6DA0}"/>
+              <a:t>Cima</a:t>
+            </a:r>
+            <a:endParaRPr lang="en-US" b="1" dirty="0">
+              <a:solidFill>
+                <a:schemeClr val="accent2">
+                  <a:lumMod val="75000"/>
+                </a:schemeClr>
+              </a:solidFill>
+            </a:endParaRPr>
+          </a:p>
+        </p:txBody>
+      </p:sp>
+      <p:sp>
+        <p:nvSpPr>
+          <p:cNvPr id="101" name="Arrow: Right 100">
+            <a:extLst>
+              <a:ext uri="{FF2B5EF4-FFF2-40B4-BE49-F238E27FC236}">
+                <a16:creationId xmlns:a16="http://schemas.microsoft.com/office/drawing/2014/main" id="{CB1A2D31-5B6A-47AA-8638-7128112D5015}"/>
               </a:ext>
             </a:extLst>
           </p:cNvPr>
@@ -5157,13 +6292,68 @@
           <p:nvPr/>
         </p:nvSpPr>
         <p:spPr>
-          <a:xfrm>
-            <a:off x="6104270" y="4936832"/>
+          <a:xfrm rot="5400000">
+            <a:off x="7559740" y="2164451"/>
             <a:ext cx="226757" cy="248480"/>
           </a:xfrm>
           <a:prstGeom prst="rightArrow">
             <a:avLst/>
           </a:prstGeom>
+          <a:solidFill>
+            <a:schemeClr val="accent2"/>
+          </a:solidFill>
+        </p:spPr>
+        <p:style>
+          <a:lnRef idx="2">
+            <a:schemeClr val="accent2">
+              <a:shade val="50000"/>
+            </a:schemeClr>
+          </a:lnRef>
+          <a:fillRef idx="1">
+            <a:schemeClr val="accent2"/>
+          </a:fillRef>
+          <a:effectRef idx="0">
+            <a:schemeClr val="accent2"/>
+          </a:effectRef>
+          <a:fontRef idx="minor">
+            <a:schemeClr val="lt1"/>
+          </a:fontRef>
+        </p:style>
+        <p:txBody>
+          <a:bodyPr rtlCol="0" anchor="ctr"/>
+          <a:lstStyle/>
+          <a:p>
+            <a:pPr algn="ctr"/>
+            <a:endParaRPr lang="en-US"/>
+          </a:p>
+        </p:txBody>
+      </p:sp>
+      <p:sp>
+        <p:nvSpPr>
+          <p:cNvPr id="102" name="Rectangle: Rounded Corners 101">
+            <a:extLst>
+              <a:ext uri="{FF2B5EF4-FFF2-40B4-BE49-F238E27FC236}">
+                <a16:creationId xmlns:a16="http://schemas.microsoft.com/office/drawing/2014/main" id="{97BCB520-AF63-4F1B-80F6-091C6CE15382}"/>
+              </a:ext>
+            </a:extLst>
+          </p:cNvPr>
+          <p:cNvSpPr/>
+          <p:nvPr/>
+        </p:nvSpPr>
+        <p:spPr>
+          <a:xfrm>
+            <a:off x="9052353" y="2466744"/>
+            <a:ext cx="440220" cy="424069"/>
+          </a:xfrm>
+          <a:prstGeom prst="roundRect">
+            <a:avLst/>
+          </a:prstGeom>
+          <a:noFill/>
+          <a:ln w="38100">
+            <a:solidFill>
+              <a:schemeClr val="tx1"/>
+            </a:solidFill>
+          </a:ln>
         </p:spPr>
         <p:style>
           <a:lnRef idx="2">
@@ -5186,64 +6376,23 @@
           <a:lstStyle/>
           <a:p>
             <a:pPr algn="ctr"/>
-            <a:endParaRPr lang="en-US"/>
-          </a:p>
-        </p:txBody>
-      </p:sp>
-      <p:sp>
-        <p:nvSpPr>
-          <p:cNvPr id="53" name="TextBox 52">
-            <a:extLst>
-              <a:ext uri="{FF2B5EF4-FFF2-40B4-BE49-F238E27FC236}">
-                <a16:creationId xmlns:a16="http://schemas.microsoft.com/office/drawing/2014/main" id="{30F2C925-00A5-4E51-8FB3-C95A64A6593E}"/>
-              </a:ext>
-            </a:extLst>
-          </p:cNvPr>
-          <p:cNvSpPr txBox="1"/>
-          <p:nvPr/>
-        </p:nvSpPr>
-        <p:spPr>
-          <a:xfrm>
-            <a:off x="5909638" y="4484687"/>
-            <a:ext cx="766557" cy="338554"/>
-          </a:xfrm>
-          <a:prstGeom prst="rect">
-            <a:avLst/>
-          </a:prstGeom>
-          <a:noFill/>
-        </p:spPr>
-        <p:txBody>
-          <a:bodyPr wrap="none" rtlCol="0">
-            <a:spAutoFit/>
-          </a:bodyPr>
-          <a:lstStyle/>
-          <a:p>
-            <a:r>
-              <a:rPr lang="en-US" sz="1600" b="1" dirty="0">
+            <a:r>
+              <a:rPr lang="en-US" dirty="0">
                 <a:solidFill>
-                  <a:schemeClr val="accent2">
-                    <a:lumMod val="75000"/>
-                  </a:schemeClr>
+                  <a:schemeClr val="tx1"/>
                 </a:solidFill>
               </a:rPr>
-              <a:t>Ultimo</a:t>
-            </a:r>
-            <a:endParaRPr lang="en-US" b="1" dirty="0">
-              <a:solidFill>
-                <a:schemeClr val="accent2">
-                  <a:lumMod val="75000"/>
-                </a:schemeClr>
-              </a:solidFill>
-            </a:endParaRPr>
-          </a:p>
-        </p:txBody>
-      </p:sp>
-      <p:sp>
-        <p:nvSpPr>
-          <p:cNvPr id="54" name="Arrow: Right 53">
-            <a:extLst>
-              <a:ext uri="{FF2B5EF4-FFF2-40B4-BE49-F238E27FC236}">
-                <a16:creationId xmlns:a16="http://schemas.microsoft.com/office/drawing/2014/main" id="{598AA8FE-CA9A-4D31-976D-F1E7D04C979A}"/>
+              <a:t>4</a:t>
+            </a:r>
+          </a:p>
+        </p:txBody>
+      </p:sp>
+      <p:sp>
+        <p:nvSpPr>
+          <p:cNvPr id="103" name="Arrow: Right 102">
+            <a:extLst>
+              <a:ext uri="{FF2B5EF4-FFF2-40B4-BE49-F238E27FC236}">
+                <a16:creationId xmlns:a16="http://schemas.microsoft.com/office/drawing/2014/main" id="{D7AAC4A0-1532-4256-BA61-EFBD062AFB02}"/>
               </a:ext>
             </a:extLst>
           </p:cNvPr>
@@ -5251,68 +6400,13 @@
           <p:nvPr/>
         </p:nvSpPr>
         <p:spPr>
-          <a:xfrm rot="5400000">
-            <a:off x="5700478" y="4548347"/>
+          <a:xfrm>
+            <a:off x="9559107" y="2559922"/>
             <a:ext cx="226757" cy="248480"/>
           </a:xfrm>
           <a:prstGeom prst="rightArrow">
             <a:avLst/>
           </a:prstGeom>
-          <a:solidFill>
-            <a:schemeClr val="accent2"/>
-          </a:solidFill>
-        </p:spPr>
-        <p:style>
-          <a:lnRef idx="2">
-            <a:schemeClr val="accent2">
-              <a:shade val="50000"/>
-            </a:schemeClr>
-          </a:lnRef>
-          <a:fillRef idx="1">
-            <a:schemeClr val="accent2"/>
-          </a:fillRef>
-          <a:effectRef idx="0">
-            <a:schemeClr val="accent2"/>
-          </a:effectRef>
-          <a:fontRef idx="minor">
-            <a:schemeClr val="lt1"/>
-          </a:fontRef>
-        </p:style>
-        <p:txBody>
-          <a:bodyPr rtlCol="0" anchor="ctr"/>
-          <a:lstStyle/>
-          <a:p>
-            <a:pPr algn="ctr"/>
-            <a:endParaRPr lang="en-US"/>
-          </a:p>
-        </p:txBody>
-      </p:sp>
-      <p:sp>
-        <p:nvSpPr>
-          <p:cNvPr id="55" name="Rectangle: Rounded Corners 54">
-            <a:extLst>
-              <a:ext uri="{FF2B5EF4-FFF2-40B4-BE49-F238E27FC236}">
-                <a16:creationId xmlns:a16="http://schemas.microsoft.com/office/drawing/2014/main" id="{0C56EA76-CA44-416E-8BD5-6892B67A9CBA}"/>
-              </a:ext>
-            </a:extLst>
-          </p:cNvPr>
-          <p:cNvSpPr/>
-          <p:nvPr/>
-        </p:nvSpPr>
-        <p:spPr>
-          <a:xfrm>
-            <a:off x="6397561" y="4849037"/>
-            <a:ext cx="440220" cy="424069"/>
-          </a:xfrm>
-          <a:prstGeom prst="roundRect">
-            <a:avLst/>
-          </a:prstGeom>
-          <a:noFill/>
-          <a:ln w="38100">
-            <a:solidFill>
-              <a:schemeClr val="tx1"/>
-            </a:solidFill>
-          </a:ln>
         </p:spPr>
         <p:style>
           <a:lnRef idx="2">
@@ -5335,71 +6429,16 @@
           <a:lstStyle/>
           <a:p>
             <a:pPr algn="ctr"/>
-            <a:r>
-              <a:rPr lang="en-US" dirty="0">
-                <a:solidFill>
-                  <a:schemeClr val="tx1"/>
-                </a:solidFill>
-              </a:rPr>
-              <a:t>4</a:t>
-            </a:r>
-          </a:p>
-        </p:txBody>
-      </p:sp>
-      <p:sp>
-        <p:nvSpPr>
-          <p:cNvPr id="56" name="TextBox 55">
-            <a:extLst>
-              <a:ext uri="{FF2B5EF4-FFF2-40B4-BE49-F238E27FC236}">
-                <a16:creationId xmlns:a16="http://schemas.microsoft.com/office/drawing/2014/main" id="{244B5B8A-A913-4DF9-868C-9A2112BD93C2}"/>
-              </a:ext>
-            </a:extLst>
-          </p:cNvPr>
-          <p:cNvSpPr txBox="1"/>
-          <p:nvPr/>
-        </p:nvSpPr>
-        <p:spPr>
-          <a:xfrm>
-            <a:off x="6676195" y="5334970"/>
-            <a:ext cx="1655005" cy="338554"/>
-          </a:xfrm>
-          <a:prstGeom prst="rect">
-            <a:avLst/>
-          </a:prstGeom>
-          <a:noFill/>
-        </p:spPr>
-        <p:txBody>
-          <a:bodyPr wrap="none" rtlCol="0">
-            <a:spAutoFit/>
-          </a:bodyPr>
-          <a:lstStyle/>
-          <a:p>
-            <a:r>
-              <a:rPr lang="en-US" sz="1600" b="1" dirty="0">
-                <a:solidFill>
-                  <a:schemeClr val="accent2">
-                    <a:lumMod val="75000"/>
-                  </a:schemeClr>
-                </a:solidFill>
-              </a:rPr>
-              <a:t>Ultimo.Siguiente</a:t>
-            </a:r>
-            <a:endParaRPr lang="en-US" b="1" dirty="0">
-              <a:solidFill>
-                <a:schemeClr val="accent2">
-                  <a:lumMod val="75000"/>
-                </a:schemeClr>
-              </a:solidFill>
-            </a:endParaRPr>
-          </a:p>
-        </p:txBody>
-      </p:sp>
-      <p:sp>
-        <p:nvSpPr>
-          <p:cNvPr id="57" name="Arrow: Right 56">
-            <a:extLst>
-              <a:ext uri="{FF2B5EF4-FFF2-40B4-BE49-F238E27FC236}">
-                <a16:creationId xmlns:a16="http://schemas.microsoft.com/office/drawing/2014/main" id="{861BEDDA-73DA-432C-80AB-786F0A1A4FE7}"/>
+            <a:endParaRPr lang="en-US"/>
+          </a:p>
+        </p:txBody>
+      </p:sp>
+      <p:sp>
+        <p:nvSpPr>
+          <p:cNvPr id="104" name="Arrow: Right 103">
+            <a:extLst>
+              <a:ext uri="{FF2B5EF4-FFF2-40B4-BE49-F238E27FC236}">
+                <a16:creationId xmlns:a16="http://schemas.microsoft.com/office/drawing/2014/main" id="{DDC47254-9F3A-4A8D-9038-80C9D367B372}"/>
               </a:ext>
             </a:extLst>
           </p:cNvPr>
@@ -5407,57 +6446,8 @@
           <p:nvPr/>
         </p:nvSpPr>
         <p:spPr>
-          <a:xfrm rot="16200000" flipV="1">
-            <a:off x="6504292" y="5328505"/>
-            <a:ext cx="226757" cy="248480"/>
-          </a:xfrm>
-          <a:prstGeom prst="rightArrow">
-            <a:avLst/>
-          </a:prstGeom>
-          <a:solidFill>
-            <a:schemeClr val="accent2"/>
-          </a:solidFill>
-        </p:spPr>
-        <p:style>
-          <a:lnRef idx="2">
-            <a:schemeClr val="accent2">
-              <a:shade val="50000"/>
-            </a:schemeClr>
-          </a:lnRef>
-          <a:fillRef idx="1">
-            <a:schemeClr val="accent2"/>
-          </a:fillRef>
-          <a:effectRef idx="0">
-            <a:schemeClr val="accent2"/>
-          </a:effectRef>
-          <a:fontRef idx="minor">
-            <a:schemeClr val="lt1"/>
-          </a:fontRef>
-        </p:style>
-        <p:txBody>
-          <a:bodyPr rtlCol="0" anchor="ctr"/>
-          <a:lstStyle/>
-          <a:p>
-            <a:pPr algn="ctr"/>
-            <a:endParaRPr lang="en-US"/>
-          </a:p>
-        </p:txBody>
-      </p:sp>
-      <p:sp>
-        <p:nvSpPr>
-          <p:cNvPr id="58" name="Arrow: Right 57">
-            <a:extLst>
-              <a:ext uri="{FF2B5EF4-FFF2-40B4-BE49-F238E27FC236}">
-                <a16:creationId xmlns:a16="http://schemas.microsoft.com/office/drawing/2014/main" id="{0529BCEA-81AB-42B3-9866-3A186B5201CF}"/>
-              </a:ext>
-            </a:extLst>
-          </p:cNvPr>
-          <p:cNvSpPr/>
-          <p:nvPr/>
-        </p:nvSpPr>
-        <p:spPr>
-          <a:xfrm>
-            <a:off x="6904315" y="4942215"/>
+          <a:xfrm>
+            <a:off x="7957473" y="2553696"/>
             <a:ext cx="226757" cy="248480"/>
           </a:xfrm>
           <a:prstGeom prst="rightArrow">
@@ -5491,60 +6481,10 @@
       </p:sp>
       <p:sp>
         <p:nvSpPr>
-          <p:cNvPr id="59" name="Arrow: Right 58">
-            <a:extLst>
-              <a:ext uri="{FF2B5EF4-FFF2-40B4-BE49-F238E27FC236}">
-                <a16:creationId xmlns:a16="http://schemas.microsoft.com/office/drawing/2014/main" id="{62F2F053-6AD0-40E6-B002-D02C91528447}"/>
-              </a:ext>
-            </a:extLst>
-          </p:cNvPr>
-          <p:cNvSpPr/>
-          <p:nvPr/>
-        </p:nvSpPr>
-        <p:spPr>
-          <a:xfrm>
-            <a:off x="7602997" y="4536414"/>
-            <a:ext cx="309562" cy="901419"/>
-          </a:xfrm>
-          <a:prstGeom prst="rightArrow">
-            <a:avLst>
-              <a:gd name="adj1" fmla="val 50000"/>
-              <a:gd name="adj2" fmla="val 64843"/>
-            </a:avLst>
-          </a:prstGeom>
-          <a:ln/>
-        </p:spPr>
-        <p:style>
-          <a:lnRef idx="2">
-            <a:schemeClr val="dk1">
-              <a:shade val="50000"/>
-            </a:schemeClr>
-          </a:lnRef>
-          <a:fillRef idx="1">
-            <a:schemeClr val="dk1"/>
-          </a:fillRef>
-          <a:effectRef idx="0">
-            <a:schemeClr val="dk1"/>
-          </a:effectRef>
-          <a:fontRef idx="minor">
-            <a:schemeClr val="lt1"/>
-          </a:fontRef>
-        </p:style>
-        <p:txBody>
-          <a:bodyPr rtlCol="0" anchor="ctr"/>
-          <a:lstStyle/>
-          <a:p>
-            <a:pPr algn="ctr"/>
-            <a:endParaRPr lang="en-US"/>
-          </a:p>
-        </p:txBody>
-      </p:sp>
-      <p:sp>
-        <p:nvSpPr>
-          <p:cNvPr id="61" name="TextBox 60">
-            <a:extLst>
-              <a:ext uri="{FF2B5EF4-FFF2-40B4-BE49-F238E27FC236}">
-                <a16:creationId xmlns:a16="http://schemas.microsoft.com/office/drawing/2014/main" id="{F44473D6-608B-4547-A2E7-FB7269ADE0B7}"/>
+          <p:cNvPr id="107" name="TextBox 106">
+            <a:extLst>
+              <a:ext uri="{FF2B5EF4-FFF2-40B4-BE49-F238E27FC236}">
+                <a16:creationId xmlns:a16="http://schemas.microsoft.com/office/drawing/2014/main" id="{697EAFC3-83CB-4E6D-B3A8-279B5AC2B0CE}"/>
               </a:ext>
             </a:extLst>
           </p:cNvPr>
@@ -5553,7 +6493,7 @@
         </p:nvSpPr>
         <p:spPr>
           <a:xfrm>
-            <a:off x="9733962" y="4883651"/>
+            <a:off x="9738542" y="2514885"/>
             <a:ext cx="529312" cy="338554"/>
           </a:xfrm>
           <a:prstGeom prst="rect">
@@ -5585,10 +6525,10 @@
       </p:sp>
       <p:sp>
         <p:nvSpPr>
-          <p:cNvPr id="62" name="Rectangle: Rounded Corners 61">
-            <a:extLst>
-              <a:ext uri="{FF2B5EF4-FFF2-40B4-BE49-F238E27FC236}">
-                <a16:creationId xmlns:a16="http://schemas.microsoft.com/office/drawing/2014/main" id="{FD0CDCE2-029D-408A-9DB6-12F41D5F0F20}"/>
+          <p:cNvPr id="108" name="Multiplication Sign 107">
+            <a:extLst>
+              <a:ext uri="{FF2B5EF4-FFF2-40B4-BE49-F238E27FC236}">
+                <a16:creationId xmlns:a16="http://schemas.microsoft.com/office/drawing/2014/main" id="{4AAF64A3-7DA2-44A9-B410-51ADBBFD8C38}"/>
               </a:ext>
             </a:extLst>
           </p:cNvPr>
@@ -5597,14 +6537,16 @@
         </p:nvSpPr>
         <p:spPr>
           <a:xfrm>
-            <a:off x="8221654" y="4834927"/>
-            <a:ext cx="440220" cy="424069"/>
-          </a:xfrm>
-          <a:prstGeom prst="roundRect">
+            <a:off x="4274788" y="2740078"/>
+            <a:ext cx="286715" cy="301470"/>
+          </a:xfrm>
+          <a:prstGeom prst="mathMultiply">
             <a:avLst/>
           </a:prstGeom>
-          <a:noFill/>
-          <a:ln w="38100">
+          <a:solidFill>
+            <a:srgbClr val="C00000"/>
+          </a:solidFill>
+          <a:ln>
             <a:solidFill>
               <a:schemeClr val="tx1"/>
             </a:solidFill>
@@ -5631,306 +6573,7 @@
           <a:lstStyle/>
           <a:p>
             <a:pPr algn="ctr"/>
-            <a:r>
-              <a:rPr lang="en-US" sz="1600" dirty="0">
-                <a:solidFill>
-                  <a:schemeClr val="tx1"/>
-                </a:solidFill>
-              </a:rPr>
-              <a:t>7</a:t>
-            </a:r>
-          </a:p>
-        </p:txBody>
-      </p:sp>
-      <p:sp>
-        <p:nvSpPr>
-          <p:cNvPr id="63" name="Arrow: Right 62">
-            <a:extLst>
-              <a:ext uri="{FF2B5EF4-FFF2-40B4-BE49-F238E27FC236}">
-                <a16:creationId xmlns:a16="http://schemas.microsoft.com/office/drawing/2014/main" id="{C606BCE5-B76E-4A3E-84D8-F30074A9F80A}"/>
-              </a:ext>
-            </a:extLst>
-          </p:cNvPr>
-          <p:cNvSpPr/>
-          <p:nvPr/>
-        </p:nvSpPr>
-        <p:spPr>
-          <a:xfrm>
-            <a:off x="8728408" y="4922721"/>
-            <a:ext cx="226757" cy="248480"/>
-          </a:xfrm>
-          <a:prstGeom prst="rightArrow">
-            <a:avLst/>
-          </a:prstGeom>
-        </p:spPr>
-        <p:style>
-          <a:lnRef idx="2">
-            <a:schemeClr val="accent1">
-              <a:shade val="50000"/>
-            </a:schemeClr>
-          </a:lnRef>
-          <a:fillRef idx="1">
-            <a:schemeClr val="accent1"/>
-          </a:fillRef>
-          <a:effectRef idx="0">
-            <a:schemeClr val="accent1"/>
-          </a:effectRef>
-          <a:fontRef idx="minor">
-            <a:schemeClr val="lt1"/>
-          </a:fontRef>
-        </p:style>
-        <p:txBody>
-          <a:bodyPr rtlCol="0" anchor="ctr"/>
-          <a:lstStyle/>
-          <a:p>
-            <a:pPr algn="ctr"/>
             <a:endParaRPr lang="en-US"/>
-          </a:p>
-        </p:txBody>
-      </p:sp>
-      <p:sp>
-        <p:nvSpPr>
-          <p:cNvPr id="64" name="TextBox 63">
-            <a:extLst>
-              <a:ext uri="{FF2B5EF4-FFF2-40B4-BE49-F238E27FC236}">
-                <a16:creationId xmlns:a16="http://schemas.microsoft.com/office/drawing/2014/main" id="{FAC6E1E3-F19D-4C22-9BCF-4182D5C3F916}"/>
-              </a:ext>
-            </a:extLst>
-          </p:cNvPr>
-          <p:cNvSpPr txBox="1"/>
-          <p:nvPr/>
-        </p:nvSpPr>
-        <p:spPr>
-          <a:xfrm>
-            <a:off x="9321145" y="4501606"/>
-            <a:ext cx="766557" cy="338554"/>
-          </a:xfrm>
-          <a:prstGeom prst="rect">
-            <a:avLst/>
-          </a:prstGeom>
-          <a:noFill/>
-        </p:spPr>
-        <p:txBody>
-          <a:bodyPr wrap="none" rtlCol="0">
-            <a:spAutoFit/>
-          </a:bodyPr>
-          <a:lstStyle/>
-          <a:p>
-            <a:r>
-              <a:rPr lang="en-US" sz="1600" b="1" dirty="0">
-                <a:solidFill>
-                  <a:schemeClr val="accent2">
-                    <a:lumMod val="75000"/>
-                  </a:schemeClr>
-                </a:solidFill>
-              </a:rPr>
-              <a:t>Ultimo</a:t>
-            </a:r>
-            <a:endParaRPr lang="en-US" b="1" dirty="0">
-              <a:solidFill>
-                <a:schemeClr val="accent2">
-                  <a:lumMod val="75000"/>
-                </a:schemeClr>
-              </a:solidFill>
-            </a:endParaRPr>
-          </a:p>
-        </p:txBody>
-      </p:sp>
-      <p:sp>
-        <p:nvSpPr>
-          <p:cNvPr id="65" name="Arrow: Right 64">
-            <a:extLst>
-              <a:ext uri="{FF2B5EF4-FFF2-40B4-BE49-F238E27FC236}">
-                <a16:creationId xmlns:a16="http://schemas.microsoft.com/office/drawing/2014/main" id="{CBAC433E-21D7-4F0D-BF1C-96D6CCE79405}"/>
-              </a:ext>
-            </a:extLst>
-          </p:cNvPr>
-          <p:cNvSpPr/>
-          <p:nvPr/>
-        </p:nvSpPr>
-        <p:spPr>
-          <a:xfrm rot="5400000">
-            <a:off x="9111985" y="4565266"/>
-            <a:ext cx="226757" cy="248480"/>
-          </a:xfrm>
-          <a:prstGeom prst="rightArrow">
-            <a:avLst/>
-          </a:prstGeom>
-          <a:solidFill>
-            <a:schemeClr val="accent2"/>
-          </a:solidFill>
-        </p:spPr>
-        <p:style>
-          <a:lnRef idx="2">
-            <a:schemeClr val="accent2">
-              <a:shade val="50000"/>
-            </a:schemeClr>
-          </a:lnRef>
-          <a:fillRef idx="1">
-            <a:schemeClr val="accent2"/>
-          </a:fillRef>
-          <a:effectRef idx="0">
-            <a:schemeClr val="accent2"/>
-          </a:effectRef>
-          <a:fontRef idx="minor">
-            <a:schemeClr val="lt1"/>
-          </a:fontRef>
-        </p:style>
-        <p:txBody>
-          <a:bodyPr rtlCol="0" anchor="ctr"/>
-          <a:lstStyle/>
-          <a:p>
-            <a:pPr algn="ctr"/>
-            <a:endParaRPr lang="en-US"/>
-          </a:p>
-        </p:txBody>
-      </p:sp>
-      <p:sp>
-        <p:nvSpPr>
-          <p:cNvPr id="66" name="Rectangle: Rounded Corners 65">
-            <a:extLst>
-              <a:ext uri="{FF2B5EF4-FFF2-40B4-BE49-F238E27FC236}">
-                <a16:creationId xmlns:a16="http://schemas.microsoft.com/office/drawing/2014/main" id="{F20F7191-49B6-4BFC-8B6E-AC9EEF0B9760}"/>
-              </a:ext>
-            </a:extLst>
-          </p:cNvPr>
-          <p:cNvSpPr/>
-          <p:nvPr/>
-        </p:nvSpPr>
-        <p:spPr>
-          <a:xfrm>
-            <a:off x="9021699" y="4834926"/>
-            <a:ext cx="440220" cy="424069"/>
-          </a:xfrm>
-          <a:prstGeom prst="roundRect">
-            <a:avLst/>
-          </a:prstGeom>
-          <a:noFill/>
-          <a:ln w="38100">
-            <a:solidFill>
-              <a:schemeClr val="tx1"/>
-            </a:solidFill>
-          </a:ln>
-        </p:spPr>
-        <p:style>
-          <a:lnRef idx="2">
-            <a:schemeClr val="accent1">
-              <a:shade val="50000"/>
-            </a:schemeClr>
-          </a:lnRef>
-          <a:fillRef idx="1">
-            <a:schemeClr val="accent1"/>
-          </a:fillRef>
-          <a:effectRef idx="0">
-            <a:schemeClr val="accent1"/>
-          </a:effectRef>
-          <a:fontRef idx="minor">
-            <a:schemeClr val="lt1"/>
-          </a:fontRef>
-        </p:style>
-        <p:txBody>
-          <a:bodyPr rtlCol="0" anchor="ctr"/>
-          <a:lstStyle/>
-          <a:p>
-            <a:pPr algn="ctr"/>
-            <a:r>
-              <a:rPr lang="en-US" dirty="0">
-                <a:solidFill>
-                  <a:schemeClr val="tx1"/>
-                </a:solidFill>
-              </a:rPr>
-              <a:t>4</a:t>
-            </a:r>
-          </a:p>
-        </p:txBody>
-      </p:sp>
-      <p:sp>
-        <p:nvSpPr>
-          <p:cNvPr id="67" name="Arrow: Right 66">
-            <a:extLst>
-              <a:ext uri="{FF2B5EF4-FFF2-40B4-BE49-F238E27FC236}">
-                <a16:creationId xmlns:a16="http://schemas.microsoft.com/office/drawing/2014/main" id="{39D56313-72EF-4D15-B59D-29BB14DFB919}"/>
-              </a:ext>
-            </a:extLst>
-          </p:cNvPr>
-          <p:cNvSpPr/>
-          <p:nvPr/>
-        </p:nvSpPr>
-        <p:spPr>
-          <a:xfrm>
-            <a:off x="9528453" y="4928104"/>
-            <a:ext cx="226757" cy="248480"/>
-          </a:xfrm>
-          <a:prstGeom prst="rightArrow">
-            <a:avLst/>
-          </a:prstGeom>
-        </p:spPr>
-        <p:style>
-          <a:lnRef idx="2">
-            <a:schemeClr val="accent1">
-              <a:shade val="50000"/>
-            </a:schemeClr>
-          </a:lnRef>
-          <a:fillRef idx="1">
-            <a:schemeClr val="accent1"/>
-          </a:fillRef>
-          <a:effectRef idx="0">
-            <a:schemeClr val="accent1"/>
-          </a:effectRef>
-          <a:fontRef idx="minor">
-            <a:schemeClr val="lt1"/>
-          </a:fontRef>
-        </p:style>
-        <p:txBody>
-          <a:bodyPr rtlCol="0" anchor="ctr"/>
-          <a:lstStyle/>
-          <a:p>
-            <a:pPr algn="ctr"/>
-            <a:endParaRPr lang="en-US"/>
-          </a:p>
-        </p:txBody>
-      </p:sp>
-      <p:sp>
-        <p:nvSpPr>
-          <p:cNvPr id="68" name="TextBox 67">
-            <a:extLst>
-              <a:ext uri="{FF2B5EF4-FFF2-40B4-BE49-F238E27FC236}">
-                <a16:creationId xmlns:a16="http://schemas.microsoft.com/office/drawing/2014/main" id="{79BF77D6-ADF8-467E-904A-72CFA54C0777}"/>
-              </a:ext>
-            </a:extLst>
-          </p:cNvPr>
-          <p:cNvSpPr txBox="1"/>
-          <p:nvPr/>
-        </p:nvSpPr>
-        <p:spPr>
-          <a:xfrm>
-            <a:off x="7894892" y="4834926"/>
-            <a:ext cx="330540" cy="338554"/>
-          </a:xfrm>
-          <a:prstGeom prst="rect">
-            <a:avLst/>
-          </a:prstGeom>
-          <a:noFill/>
-        </p:spPr>
-        <p:txBody>
-          <a:bodyPr wrap="none" rtlCol="0">
-            <a:spAutoFit/>
-          </a:bodyPr>
-          <a:lstStyle/>
-          <a:p>
-            <a:r>
-              <a:rPr lang="en-US" sz="1600" b="1" dirty="0">
-                <a:solidFill>
-                  <a:schemeClr val="accent1"/>
-                </a:solidFill>
-              </a:rPr>
-              <a:t>…</a:t>
-            </a:r>
-            <a:endParaRPr lang="en-US" b="1" dirty="0">
-              <a:solidFill>
-                <a:schemeClr val="accent1"/>
-              </a:solidFill>
-            </a:endParaRPr>
           </a:p>
         </p:txBody>
       </p:sp>
@@ -5938,6 +6581,66 @@
     <p:extLst>
       <p:ext uri="{BB962C8B-B14F-4D97-AF65-F5344CB8AC3E}">
         <p14:creationId xmlns:p14="http://schemas.microsoft.com/office/powerpoint/2010/main" val="3246156060"/>
+      </p:ext>
+    </p:extLst>
+  </p:cSld>
+  <p:clrMapOvr>
+    <a:masterClrMapping/>
+  </p:clrMapOvr>
+</p:sld>
+</file>
+
+<file path=ppt/slides/slide2.xml><?xml version="1.0" encoding="utf-8"?>
+<p:sld xmlns:a="http://schemas.openxmlformats.org/drawingml/2006/main" xmlns:r="http://schemas.openxmlformats.org/officeDocument/2006/relationships" xmlns:p="http://schemas.openxmlformats.org/presentationml/2006/main">
+  <p:cSld>
+    <p:spTree>
+      <p:nvGrpSpPr>
+        <p:cNvPr id="1" name=""/>
+        <p:cNvGrpSpPr/>
+        <p:nvPr/>
+      </p:nvGrpSpPr>
+      <p:grpSpPr>
+        <a:xfrm>
+          <a:off x="0" y="0"/>
+          <a:ext cx="0" cy="0"/>
+          <a:chOff x="0" y="0"/>
+          <a:chExt cx="0" cy="0"/>
+        </a:xfrm>
+      </p:grpSpPr>
+      <p:pic>
+        <p:nvPicPr>
+          <p:cNvPr id="4" name="Picture 3" descr="A screenshot of a cell phone&#10;&#10;Description automatically generated">
+            <a:extLst>
+              <a:ext uri="{FF2B5EF4-FFF2-40B4-BE49-F238E27FC236}">
+                <a16:creationId xmlns:a16="http://schemas.microsoft.com/office/drawing/2014/main" id="{0D26A3DD-50DE-4B6C-AD3A-660A18556234}"/>
+              </a:ext>
+            </a:extLst>
+          </p:cNvPr>
+          <p:cNvPicPr>
+            <a:picLocks noChangeAspect="1"/>
+          </p:cNvPicPr>
+          <p:nvPr/>
+        </p:nvPicPr>
+        <p:blipFill>
+          <a:blip r:embed="rId2"/>
+          <a:stretch>
+            <a:fillRect/>
+          </a:stretch>
+        </p:blipFill>
+        <p:spPr>
+          <a:xfrm>
+            <a:off x="628650" y="1209675"/>
+            <a:ext cx="10934700" cy="4438650"/>
+          </a:xfrm>
+          <a:prstGeom prst="rect">
+            <a:avLst/>
+          </a:prstGeom>
+        </p:spPr>
+      </p:pic>
+    </p:spTree>
+    <p:extLst>
+      <p:ext uri="{BB962C8B-B14F-4D97-AF65-F5344CB8AC3E}">
+        <p14:creationId xmlns:p14="http://schemas.microsoft.com/office/powerpoint/2010/main" val="2037136524"/>
       </p:ext>
     </p:extLst>
   </p:cSld>

--- a/Images.pptx
+++ b/Images.pptx
@@ -6,7 +6,8 @@
   </p:sldMasterIdLst>
   <p:sldIdLst>
     <p:sldId id="256" r:id="rId2"/>
-    <p:sldId id="257" r:id="rId3"/>
+    <p:sldId id="258" r:id="rId3"/>
+    <p:sldId id="257" r:id="rId4"/>
   </p:sldIdLst>
   <p:sldSz cx="12192000" cy="6858000"/>
   <p:notesSz cx="6858000" cy="9144000"/>
@@ -260,7 +261,7 @@
           <a:p>
             <a:fld id="{70B56875-DB38-482E-83CA-914525EB67B9}" type="datetimeFigureOut">
               <a:rPr lang="en-US" smtClean="0"/>
-              <a:t>2/23/2019</a:t>
+              <a:t>2/25/2019</a:t>
             </a:fld>
             <a:endParaRPr lang="en-US"/>
           </a:p>
@@ -458,7 +459,7 @@
           <a:p>
             <a:fld id="{70B56875-DB38-482E-83CA-914525EB67B9}" type="datetimeFigureOut">
               <a:rPr lang="en-US" smtClean="0"/>
-              <a:t>2/23/2019</a:t>
+              <a:t>2/25/2019</a:t>
             </a:fld>
             <a:endParaRPr lang="en-US"/>
           </a:p>
@@ -666,7 +667,7 @@
           <a:p>
             <a:fld id="{70B56875-DB38-482E-83CA-914525EB67B9}" type="datetimeFigureOut">
               <a:rPr lang="en-US" smtClean="0"/>
-              <a:t>2/23/2019</a:t>
+              <a:t>2/25/2019</a:t>
             </a:fld>
             <a:endParaRPr lang="en-US"/>
           </a:p>
@@ -864,7 +865,7 @@
           <a:p>
             <a:fld id="{70B56875-DB38-482E-83CA-914525EB67B9}" type="datetimeFigureOut">
               <a:rPr lang="en-US" smtClean="0"/>
-              <a:t>2/23/2019</a:t>
+              <a:t>2/25/2019</a:t>
             </a:fld>
             <a:endParaRPr lang="en-US"/>
           </a:p>
@@ -1139,7 +1140,7 @@
           <a:p>
             <a:fld id="{70B56875-DB38-482E-83CA-914525EB67B9}" type="datetimeFigureOut">
               <a:rPr lang="en-US" smtClean="0"/>
-              <a:t>2/23/2019</a:t>
+              <a:t>2/25/2019</a:t>
             </a:fld>
             <a:endParaRPr lang="en-US"/>
           </a:p>
@@ -1404,7 +1405,7 @@
           <a:p>
             <a:fld id="{70B56875-DB38-482E-83CA-914525EB67B9}" type="datetimeFigureOut">
               <a:rPr lang="en-US" smtClean="0"/>
-              <a:t>2/23/2019</a:t>
+              <a:t>2/25/2019</a:t>
             </a:fld>
             <a:endParaRPr lang="en-US"/>
           </a:p>
@@ -1816,7 +1817,7 @@
           <a:p>
             <a:fld id="{70B56875-DB38-482E-83CA-914525EB67B9}" type="datetimeFigureOut">
               <a:rPr lang="en-US" smtClean="0"/>
-              <a:t>2/23/2019</a:t>
+              <a:t>2/25/2019</a:t>
             </a:fld>
             <a:endParaRPr lang="en-US"/>
           </a:p>
@@ -1957,7 +1958,7 @@
           <a:p>
             <a:fld id="{70B56875-DB38-482E-83CA-914525EB67B9}" type="datetimeFigureOut">
               <a:rPr lang="en-US" smtClean="0"/>
-              <a:t>2/23/2019</a:t>
+              <a:t>2/25/2019</a:t>
             </a:fld>
             <a:endParaRPr lang="en-US"/>
           </a:p>
@@ -2070,7 +2071,7 @@
           <a:p>
             <a:fld id="{70B56875-DB38-482E-83CA-914525EB67B9}" type="datetimeFigureOut">
               <a:rPr lang="en-US" smtClean="0"/>
-              <a:t>2/23/2019</a:t>
+              <a:t>2/25/2019</a:t>
             </a:fld>
             <a:endParaRPr lang="en-US"/>
           </a:p>
@@ -2381,7 +2382,7 @@
           <a:p>
             <a:fld id="{70B56875-DB38-482E-83CA-914525EB67B9}" type="datetimeFigureOut">
               <a:rPr lang="en-US" smtClean="0"/>
-              <a:t>2/23/2019</a:t>
+              <a:t>2/25/2019</a:t>
             </a:fld>
             <a:endParaRPr lang="en-US"/>
           </a:p>
@@ -2669,7 +2670,7 @@
           <a:p>
             <a:fld id="{70B56875-DB38-482E-83CA-914525EB67B9}" type="datetimeFigureOut">
               <a:rPr lang="en-US" smtClean="0"/>
-              <a:t>2/23/2019</a:t>
+              <a:t>2/25/2019</a:t>
             </a:fld>
             <a:endParaRPr lang="en-US"/>
           </a:p>
@@ -2910,7 +2911,7 @@
           <a:p>
             <a:fld id="{70B56875-DB38-482E-83CA-914525EB67B9}" type="datetimeFigureOut">
               <a:rPr lang="en-US" smtClean="0"/>
-              <a:t>2/23/2019</a:t>
+              <a:t>2/25/2019</a:t>
             </a:fld>
             <a:endParaRPr lang="en-US"/>
           </a:p>
@@ -6607,6 +6608,1520 @@
           <a:chExt cx="0" cy="0"/>
         </a:xfrm>
       </p:grpSpPr>
+      <p:sp>
+        <p:nvSpPr>
+          <p:cNvPr id="4" name="Rectangle: Rounded Corners 3">
+            <a:extLst>
+              <a:ext uri="{FF2B5EF4-FFF2-40B4-BE49-F238E27FC236}">
+                <a16:creationId xmlns:a16="http://schemas.microsoft.com/office/drawing/2014/main" id="{D51C1023-B855-4612-9D93-8B5D5FD164C8}"/>
+              </a:ext>
+            </a:extLst>
+          </p:cNvPr>
+          <p:cNvSpPr/>
+          <p:nvPr/>
+        </p:nvSpPr>
+        <p:spPr>
+          <a:xfrm>
+            <a:off x="1265069" y="577345"/>
+            <a:ext cx="440220" cy="424069"/>
+          </a:xfrm>
+          <a:prstGeom prst="roundRect">
+            <a:avLst/>
+          </a:prstGeom>
+          <a:noFill/>
+          <a:ln w="38100">
+            <a:solidFill>
+              <a:schemeClr val="tx1"/>
+            </a:solidFill>
+          </a:ln>
+        </p:spPr>
+        <p:style>
+          <a:lnRef idx="2">
+            <a:schemeClr val="accent1">
+              <a:shade val="50000"/>
+            </a:schemeClr>
+          </a:lnRef>
+          <a:fillRef idx="1">
+            <a:schemeClr val="accent1"/>
+          </a:fillRef>
+          <a:effectRef idx="0">
+            <a:schemeClr val="accent1"/>
+          </a:effectRef>
+          <a:fontRef idx="minor">
+            <a:schemeClr val="lt1"/>
+          </a:fontRef>
+        </p:style>
+        <p:txBody>
+          <a:bodyPr rtlCol="0" anchor="ctr"/>
+          <a:lstStyle/>
+          <a:p>
+            <a:pPr algn="ctr"/>
+            <a:r>
+              <a:rPr lang="en-US" sz="1600" dirty="0">
+                <a:solidFill>
+                  <a:schemeClr val="tx1"/>
+                </a:solidFill>
+              </a:rPr>
+              <a:t>20</a:t>
+            </a:r>
+          </a:p>
+        </p:txBody>
+      </p:sp>
+      <p:sp>
+        <p:nvSpPr>
+          <p:cNvPr id="5" name="Rectangle: Rounded Corners 4">
+            <a:extLst>
+              <a:ext uri="{FF2B5EF4-FFF2-40B4-BE49-F238E27FC236}">
+                <a16:creationId xmlns:a16="http://schemas.microsoft.com/office/drawing/2014/main" id="{F640EBF0-CDDF-4AC9-9122-77CABDEF8308}"/>
+              </a:ext>
+            </a:extLst>
+          </p:cNvPr>
+          <p:cNvSpPr/>
+          <p:nvPr/>
+        </p:nvSpPr>
+        <p:spPr>
+          <a:xfrm>
+            <a:off x="1705289" y="577344"/>
+            <a:ext cx="440220" cy="424069"/>
+          </a:xfrm>
+          <a:prstGeom prst="roundRect">
+            <a:avLst/>
+          </a:prstGeom>
+          <a:noFill/>
+          <a:ln w="38100">
+            <a:solidFill>
+              <a:schemeClr val="tx1"/>
+            </a:solidFill>
+          </a:ln>
+        </p:spPr>
+        <p:style>
+          <a:lnRef idx="2">
+            <a:schemeClr val="accent1">
+              <a:shade val="50000"/>
+            </a:schemeClr>
+          </a:lnRef>
+          <a:fillRef idx="1">
+            <a:schemeClr val="accent1"/>
+          </a:fillRef>
+          <a:effectRef idx="0">
+            <a:schemeClr val="accent1"/>
+          </a:effectRef>
+          <a:fontRef idx="minor">
+            <a:schemeClr val="lt1"/>
+          </a:fontRef>
+        </p:style>
+        <p:txBody>
+          <a:bodyPr rtlCol="0" anchor="ctr"/>
+          <a:lstStyle/>
+          <a:p>
+            <a:pPr algn="ctr"/>
+            <a:r>
+              <a:rPr lang="en-US" sz="1600" dirty="0">
+                <a:solidFill>
+                  <a:schemeClr val="tx1"/>
+                </a:solidFill>
+              </a:rPr>
+              <a:t>44</a:t>
+            </a:r>
+          </a:p>
+        </p:txBody>
+      </p:sp>
+      <p:sp>
+        <p:nvSpPr>
+          <p:cNvPr id="6" name="Rectangle: Rounded Corners 5">
+            <a:extLst>
+              <a:ext uri="{FF2B5EF4-FFF2-40B4-BE49-F238E27FC236}">
+                <a16:creationId xmlns:a16="http://schemas.microsoft.com/office/drawing/2014/main" id="{FC358E24-CFB7-4EED-8496-1BA7B2361CDB}"/>
+              </a:ext>
+            </a:extLst>
+          </p:cNvPr>
+          <p:cNvSpPr/>
+          <p:nvPr/>
+        </p:nvSpPr>
+        <p:spPr>
+          <a:xfrm>
+            <a:off x="2145509" y="577344"/>
+            <a:ext cx="440220" cy="424069"/>
+          </a:xfrm>
+          <a:prstGeom prst="roundRect">
+            <a:avLst/>
+          </a:prstGeom>
+          <a:noFill/>
+          <a:ln w="38100">
+            <a:solidFill>
+              <a:schemeClr val="tx1"/>
+            </a:solidFill>
+          </a:ln>
+        </p:spPr>
+        <p:style>
+          <a:lnRef idx="2">
+            <a:schemeClr val="accent1">
+              <a:shade val="50000"/>
+            </a:schemeClr>
+          </a:lnRef>
+          <a:fillRef idx="1">
+            <a:schemeClr val="accent1"/>
+          </a:fillRef>
+          <a:effectRef idx="0">
+            <a:schemeClr val="accent1"/>
+          </a:effectRef>
+          <a:fontRef idx="minor">
+            <a:schemeClr val="lt1"/>
+          </a:fontRef>
+        </p:style>
+        <p:txBody>
+          <a:bodyPr rtlCol="0" anchor="ctr"/>
+          <a:lstStyle/>
+          <a:p>
+            <a:pPr algn="ctr"/>
+            <a:r>
+              <a:rPr lang="en-US" sz="1600" dirty="0">
+                <a:solidFill>
+                  <a:schemeClr val="tx1"/>
+                </a:solidFill>
+              </a:rPr>
+              <a:t>18</a:t>
+            </a:r>
+          </a:p>
+        </p:txBody>
+      </p:sp>
+      <p:sp>
+        <p:nvSpPr>
+          <p:cNvPr id="7" name="Rectangle: Rounded Corners 6">
+            <a:extLst>
+              <a:ext uri="{FF2B5EF4-FFF2-40B4-BE49-F238E27FC236}">
+                <a16:creationId xmlns:a16="http://schemas.microsoft.com/office/drawing/2014/main" id="{F422EB10-727C-4F60-AD84-0D48C3F7E82A}"/>
+              </a:ext>
+            </a:extLst>
+          </p:cNvPr>
+          <p:cNvSpPr/>
+          <p:nvPr/>
+        </p:nvSpPr>
+        <p:spPr>
+          <a:xfrm>
+            <a:off x="2585729" y="577343"/>
+            <a:ext cx="440220" cy="424069"/>
+          </a:xfrm>
+          <a:prstGeom prst="roundRect">
+            <a:avLst/>
+          </a:prstGeom>
+          <a:noFill/>
+          <a:ln w="38100">
+            <a:solidFill>
+              <a:schemeClr val="tx1"/>
+            </a:solidFill>
+          </a:ln>
+        </p:spPr>
+        <p:style>
+          <a:lnRef idx="2">
+            <a:schemeClr val="accent1">
+              <a:shade val="50000"/>
+            </a:schemeClr>
+          </a:lnRef>
+          <a:fillRef idx="1">
+            <a:schemeClr val="accent1"/>
+          </a:fillRef>
+          <a:effectRef idx="0">
+            <a:schemeClr val="accent1"/>
+          </a:effectRef>
+          <a:fontRef idx="minor">
+            <a:schemeClr val="lt1"/>
+          </a:fontRef>
+        </p:style>
+        <p:txBody>
+          <a:bodyPr rtlCol="0" anchor="ctr"/>
+          <a:lstStyle/>
+          <a:p>
+            <a:pPr algn="ctr"/>
+            <a:r>
+              <a:rPr lang="en-US" sz="1600" dirty="0">
+                <a:solidFill>
+                  <a:schemeClr val="tx1"/>
+                </a:solidFill>
+              </a:rPr>
+              <a:t>33</a:t>
+            </a:r>
+          </a:p>
+        </p:txBody>
+      </p:sp>
+      <p:sp>
+        <p:nvSpPr>
+          <p:cNvPr id="8" name="Rectangle: Rounded Corners 7">
+            <a:extLst>
+              <a:ext uri="{FF2B5EF4-FFF2-40B4-BE49-F238E27FC236}">
+                <a16:creationId xmlns:a16="http://schemas.microsoft.com/office/drawing/2014/main" id="{BCD5CF74-0DFC-4702-8604-979A9C1E5180}"/>
+              </a:ext>
+            </a:extLst>
+          </p:cNvPr>
+          <p:cNvSpPr/>
+          <p:nvPr/>
+        </p:nvSpPr>
+        <p:spPr>
+          <a:xfrm>
+            <a:off x="3025949" y="577342"/>
+            <a:ext cx="440220" cy="424069"/>
+          </a:xfrm>
+          <a:prstGeom prst="roundRect">
+            <a:avLst/>
+          </a:prstGeom>
+          <a:noFill/>
+          <a:ln w="38100">
+            <a:solidFill>
+              <a:schemeClr val="tx1"/>
+            </a:solidFill>
+          </a:ln>
+        </p:spPr>
+        <p:style>
+          <a:lnRef idx="2">
+            <a:schemeClr val="accent1">
+              <a:shade val="50000"/>
+            </a:schemeClr>
+          </a:lnRef>
+          <a:fillRef idx="1">
+            <a:schemeClr val="accent1"/>
+          </a:fillRef>
+          <a:effectRef idx="0">
+            <a:schemeClr val="accent1"/>
+          </a:effectRef>
+          <a:fontRef idx="minor">
+            <a:schemeClr val="lt1"/>
+          </a:fontRef>
+        </p:style>
+        <p:txBody>
+          <a:bodyPr rtlCol="0" anchor="ctr"/>
+          <a:lstStyle/>
+          <a:p>
+            <a:pPr algn="ctr"/>
+            <a:r>
+              <a:rPr lang="en-US" sz="1600" dirty="0">
+                <a:solidFill>
+                  <a:schemeClr val="tx1"/>
+                </a:solidFill>
+              </a:rPr>
+              <a:t>64</a:t>
+            </a:r>
+          </a:p>
+        </p:txBody>
+      </p:sp>
+      <p:sp>
+        <p:nvSpPr>
+          <p:cNvPr id="9" name="Rectangle: Rounded Corners 8">
+            <a:extLst>
+              <a:ext uri="{FF2B5EF4-FFF2-40B4-BE49-F238E27FC236}">
+                <a16:creationId xmlns:a16="http://schemas.microsoft.com/office/drawing/2014/main" id="{A074A49E-1A44-4FB7-9869-887B9E2792F8}"/>
+              </a:ext>
+            </a:extLst>
+          </p:cNvPr>
+          <p:cNvSpPr/>
+          <p:nvPr/>
+        </p:nvSpPr>
+        <p:spPr>
+          <a:xfrm>
+            <a:off x="3466169" y="577342"/>
+            <a:ext cx="440220" cy="424069"/>
+          </a:xfrm>
+          <a:prstGeom prst="roundRect">
+            <a:avLst/>
+          </a:prstGeom>
+          <a:noFill/>
+          <a:ln w="38100">
+            <a:solidFill>
+              <a:schemeClr val="tx1"/>
+            </a:solidFill>
+          </a:ln>
+        </p:spPr>
+        <p:style>
+          <a:lnRef idx="2">
+            <a:schemeClr val="accent1">
+              <a:shade val="50000"/>
+            </a:schemeClr>
+          </a:lnRef>
+          <a:fillRef idx="1">
+            <a:schemeClr val="accent1"/>
+          </a:fillRef>
+          <a:effectRef idx="0">
+            <a:schemeClr val="accent1"/>
+          </a:effectRef>
+          <a:fontRef idx="minor">
+            <a:schemeClr val="lt1"/>
+          </a:fontRef>
+        </p:style>
+        <p:txBody>
+          <a:bodyPr rtlCol="0" anchor="ctr"/>
+          <a:lstStyle/>
+          <a:p>
+            <a:pPr algn="ctr"/>
+            <a:r>
+              <a:rPr lang="en-US" sz="1600" dirty="0">
+                <a:solidFill>
+                  <a:schemeClr val="tx1"/>
+                </a:solidFill>
+              </a:rPr>
+              <a:t>55</a:t>
+            </a:r>
+          </a:p>
+        </p:txBody>
+      </p:sp>
+      <p:sp>
+        <p:nvSpPr>
+          <p:cNvPr id="10" name="Oval 9">
+            <a:extLst>
+              <a:ext uri="{FF2B5EF4-FFF2-40B4-BE49-F238E27FC236}">
+                <a16:creationId xmlns:a16="http://schemas.microsoft.com/office/drawing/2014/main" id="{B2219B0B-BD0F-49F8-9051-7CB20739109C}"/>
+              </a:ext>
+            </a:extLst>
+          </p:cNvPr>
+          <p:cNvSpPr/>
+          <p:nvPr/>
+        </p:nvSpPr>
+        <p:spPr>
+          <a:xfrm>
+            <a:off x="1999169" y="1056949"/>
+            <a:ext cx="440220" cy="424069"/>
+          </a:xfrm>
+          <a:prstGeom prst="ellipse">
+            <a:avLst/>
+          </a:prstGeom>
+          <a:noFill/>
+          <a:ln w="38100">
+            <a:solidFill>
+              <a:schemeClr val="tx1"/>
+            </a:solidFill>
+          </a:ln>
+        </p:spPr>
+        <p:style>
+          <a:lnRef idx="2">
+            <a:schemeClr val="accent1">
+              <a:shade val="50000"/>
+            </a:schemeClr>
+          </a:lnRef>
+          <a:fillRef idx="1">
+            <a:schemeClr val="accent1"/>
+          </a:fillRef>
+          <a:effectRef idx="0">
+            <a:schemeClr val="accent1"/>
+          </a:effectRef>
+          <a:fontRef idx="minor">
+            <a:schemeClr val="lt1"/>
+          </a:fontRef>
+        </p:style>
+        <p:txBody>
+          <a:bodyPr rtlCol="0" anchor="ctr"/>
+          <a:lstStyle/>
+          <a:p>
+            <a:pPr algn="ctr"/>
+            <a:r>
+              <a:rPr lang="en-US" sz="900" b="1" dirty="0">
+                <a:solidFill>
+                  <a:schemeClr val="tx1"/>
+                </a:solidFill>
+              </a:rPr>
+              <a:t>20</a:t>
+            </a:r>
+          </a:p>
+        </p:txBody>
+      </p:sp>
+      <p:sp>
+        <p:nvSpPr>
+          <p:cNvPr id="11" name="Oval 10">
+            <a:extLst>
+              <a:ext uri="{FF2B5EF4-FFF2-40B4-BE49-F238E27FC236}">
+                <a16:creationId xmlns:a16="http://schemas.microsoft.com/office/drawing/2014/main" id="{4827B685-66FC-424B-9E25-C9A749B5ED5D}"/>
+              </a:ext>
+            </a:extLst>
+          </p:cNvPr>
+          <p:cNvSpPr/>
+          <p:nvPr/>
+        </p:nvSpPr>
+        <p:spPr>
+          <a:xfrm>
+            <a:off x="2803407" y="1531214"/>
+            <a:ext cx="440220" cy="424069"/>
+          </a:xfrm>
+          <a:prstGeom prst="ellipse">
+            <a:avLst/>
+          </a:prstGeom>
+          <a:noFill/>
+          <a:ln w="38100">
+            <a:solidFill>
+              <a:schemeClr val="tx1"/>
+            </a:solidFill>
+          </a:ln>
+        </p:spPr>
+        <p:style>
+          <a:lnRef idx="2">
+            <a:schemeClr val="accent1">
+              <a:shade val="50000"/>
+            </a:schemeClr>
+          </a:lnRef>
+          <a:fillRef idx="1">
+            <a:schemeClr val="accent1"/>
+          </a:fillRef>
+          <a:effectRef idx="0">
+            <a:schemeClr val="accent1"/>
+          </a:effectRef>
+          <a:fontRef idx="minor">
+            <a:schemeClr val="lt1"/>
+          </a:fontRef>
+        </p:style>
+        <p:txBody>
+          <a:bodyPr rtlCol="0" anchor="ctr"/>
+          <a:lstStyle/>
+          <a:p>
+            <a:pPr algn="ctr"/>
+            <a:r>
+              <a:rPr lang="en-US" sz="900" b="1" dirty="0">
+                <a:solidFill>
+                  <a:schemeClr val="tx1"/>
+                </a:solidFill>
+              </a:rPr>
+              <a:t>44</a:t>
+            </a:r>
+          </a:p>
+        </p:txBody>
+      </p:sp>
+      <p:sp>
+        <p:nvSpPr>
+          <p:cNvPr id="12" name="Oval 11">
+            <a:extLst>
+              <a:ext uri="{FF2B5EF4-FFF2-40B4-BE49-F238E27FC236}">
+                <a16:creationId xmlns:a16="http://schemas.microsoft.com/office/drawing/2014/main" id="{24CD2A74-119D-40CC-BEEF-2AF917E69E12}"/>
+              </a:ext>
+            </a:extLst>
+          </p:cNvPr>
+          <p:cNvSpPr/>
+          <p:nvPr/>
+        </p:nvSpPr>
+        <p:spPr>
+          <a:xfrm>
+            <a:off x="1329558" y="1531213"/>
+            <a:ext cx="440220" cy="424069"/>
+          </a:xfrm>
+          <a:prstGeom prst="ellipse">
+            <a:avLst/>
+          </a:prstGeom>
+          <a:noFill/>
+          <a:ln w="38100">
+            <a:solidFill>
+              <a:schemeClr val="tx1"/>
+            </a:solidFill>
+          </a:ln>
+        </p:spPr>
+        <p:style>
+          <a:lnRef idx="2">
+            <a:schemeClr val="accent1">
+              <a:shade val="50000"/>
+            </a:schemeClr>
+          </a:lnRef>
+          <a:fillRef idx="1">
+            <a:schemeClr val="accent1"/>
+          </a:fillRef>
+          <a:effectRef idx="0">
+            <a:schemeClr val="accent1"/>
+          </a:effectRef>
+          <a:fontRef idx="minor">
+            <a:schemeClr val="lt1"/>
+          </a:fontRef>
+        </p:style>
+        <p:txBody>
+          <a:bodyPr rtlCol="0" anchor="ctr"/>
+          <a:lstStyle/>
+          <a:p>
+            <a:pPr algn="ctr"/>
+            <a:r>
+              <a:rPr lang="en-US" sz="900" b="1" dirty="0">
+                <a:solidFill>
+                  <a:schemeClr val="tx1"/>
+                </a:solidFill>
+              </a:rPr>
+              <a:t>18</a:t>
+            </a:r>
+          </a:p>
+        </p:txBody>
+      </p:sp>
+      <p:sp>
+        <p:nvSpPr>
+          <p:cNvPr id="13" name="Oval 12">
+            <a:extLst>
+              <a:ext uri="{FF2B5EF4-FFF2-40B4-BE49-F238E27FC236}">
+                <a16:creationId xmlns:a16="http://schemas.microsoft.com/office/drawing/2014/main" id="{1FA3C4E0-4F29-41E0-9D8D-14BD00D77952}"/>
+              </a:ext>
+            </a:extLst>
+          </p:cNvPr>
+          <p:cNvSpPr/>
+          <p:nvPr/>
+        </p:nvSpPr>
+        <p:spPr>
+          <a:xfrm>
+            <a:off x="2218416" y="2022413"/>
+            <a:ext cx="440220" cy="424069"/>
+          </a:xfrm>
+          <a:prstGeom prst="ellipse">
+            <a:avLst/>
+          </a:prstGeom>
+          <a:noFill/>
+          <a:ln w="38100">
+            <a:solidFill>
+              <a:schemeClr val="tx1"/>
+            </a:solidFill>
+          </a:ln>
+        </p:spPr>
+        <p:style>
+          <a:lnRef idx="2">
+            <a:schemeClr val="accent1">
+              <a:shade val="50000"/>
+            </a:schemeClr>
+          </a:lnRef>
+          <a:fillRef idx="1">
+            <a:schemeClr val="accent1"/>
+          </a:fillRef>
+          <a:effectRef idx="0">
+            <a:schemeClr val="accent1"/>
+          </a:effectRef>
+          <a:fontRef idx="minor">
+            <a:schemeClr val="lt1"/>
+          </a:fontRef>
+        </p:style>
+        <p:txBody>
+          <a:bodyPr rtlCol="0" anchor="ctr"/>
+          <a:lstStyle/>
+          <a:p>
+            <a:pPr algn="ctr"/>
+            <a:r>
+              <a:rPr lang="en-US" sz="900" b="1" dirty="0">
+                <a:solidFill>
+                  <a:schemeClr val="tx1"/>
+                </a:solidFill>
+              </a:rPr>
+              <a:t>33</a:t>
+            </a:r>
+          </a:p>
+        </p:txBody>
+      </p:sp>
+      <p:sp>
+        <p:nvSpPr>
+          <p:cNvPr id="14" name="Oval 13">
+            <a:extLst>
+              <a:ext uri="{FF2B5EF4-FFF2-40B4-BE49-F238E27FC236}">
+                <a16:creationId xmlns:a16="http://schemas.microsoft.com/office/drawing/2014/main" id="{F4E94EBD-3AE2-4B73-9E9C-C394DD8633AE}"/>
+              </a:ext>
+            </a:extLst>
+          </p:cNvPr>
+          <p:cNvSpPr/>
+          <p:nvPr/>
+        </p:nvSpPr>
+        <p:spPr>
+          <a:xfrm>
+            <a:off x="3388400" y="2022413"/>
+            <a:ext cx="440220" cy="424069"/>
+          </a:xfrm>
+          <a:prstGeom prst="ellipse">
+            <a:avLst/>
+          </a:prstGeom>
+          <a:noFill/>
+          <a:ln w="38100">
+            <a:solidFill>
+              <a:schemeClr val="tx1"/>
+            </a:solidFill>
+          </a:ln>
+        </p:spPr>
+        <p:style>
+          <a:lnRef idx="2">
+            <a:schemeClr val="accent1">
+              <a:shade val="50000"/>
+            </a:schemeClr>
+          </a:lnRef>
+          <a:fillRef idx="1">
+            <a:schemeClr val="accent1"/>
+          </a:fillRef>
+          <a:effectRef idx="0">
+            <a:schemeClr val="accent1"/>
+          </a:effectRef>
+          <a:fontRef idx="minor">
+            <a:schemeClr val="lt1"/>
+          </a:fontRef>
+        </p:style>
+        <p:txBody>
+          <a:bodyPr rtlCol="0" anchor="ctr"/>
+          <a:lstStyle/>
+          <a:p>
+            <a:pPr algn="ctr"/>
+            <a:r>
+              <a:rPr lang="en-US" sz="900" b="1" dirty="0">
+                <a:solidFill>
+                  <a:schemeClr val="tx1"/>
+                </a:solidFill>
+              </a:rPr>
+              <a:t>64</a:t>
+            </a:r>
+          </a:p>
+        </p:txBody>
+      </p:sp>
+      <p:sp>
+        <p:nvSpPr>
+          <p:cNvPr id="15" name="Oval 14">
+            <a:extLst>
+              <a:ext uri="{FF2B5EF4-FFF2-40B4-BE49-F238E27FC236}">
+                <a16:creationId xmlns:a16="http://schemas.microsoft.com/office/drawing/2014/main" id="{853BB02E-C240-4B34-A3A8-63932A70A669}"/>
+              </a:ext>
+            </a:extLst>
+          </p:cNvPr>
+          <p:cNvSpPr/>
+          <p:nvPr/>
+        </p:nvSpPr>
+        <p:spPr>
+          <a:xfrm>
+            <a:off x="2948180" y="2580862"/>
+            <a:ext cx="440220" cy="424069"/>
+          </a:xfrm>
+          <a:prstGeom prst="ellipse">
+            <a:avLst/>
+          </a:prstGeom>
+          <a:noFill/>
+          <a:ln w="38100">
+            <a:solidFill>
+              <a:schemeClr val="tx1"/>
+            </a:solidFill>
+          </a:ln>
+        </p:spPr>
+        <p:style>
+          <a:lnRef idx="2">
+            <a:schemeClr val="accent1">
+              <a:shade val="50000"/>
+            </a:schemeClr>
+          </a:lnRef>
+          <a:fillRef idx="1">
+            <a:schemeClr val="accent1"/>
+          </a:fillRef>
+          <a:effectRef idx="0">
+            <a:schemeClr val="accent1"/>
+          </a:effectRef>
+          <a:fontRef idx="minor">
+            <a:schemeClr val="lt1"/>
+          </a:fontRef>
+        </p:style>
+        <p:txBody>
+          <a:bodyPr rtlCol="0" anchor="ctr"/>
+          <a:lstStyle/>
+          <a:p>
+            <a:pPr algn="ctr"/>
+            <a:r>
+              <a:rPr lang="en-US" sz="900" b="1" dirty="0">
+                <a:solidFill>
+                  <a:schemeClr val="tx1"/>
+                </a:solidFill>
+              </a:rPr>
+              <a:t>55</a:t>
+            </a:r>
+          </a:p>
+        </p:txBody>
+      </p:sp>
+      <p:cxnSp>
+        <p:nvCxnSpPr>
+          <p:cNvPr id="26" name="Straight Arrow Connector 25">
+            <a:extLst>
+              <a:ext uri="{FF2B5EF4-FFF2-40B4-BE49-F238E27FC236}">
+                <a16:creationId xmlns:a16="http://schemas.microsoft.com/office/drawing/2014/main" id="{2FC73110-562D-438A-A5DD-50332EEDF145}"/>
+              </a:ext>
+            </a:extLst>
+          </p:cNvPr>
+          <p:cNvCxnSpPr/>
+          <p:nvPr/>
+        </p:nvCxnSpPr>
+        <p:spPr>
+          <a:xfrm flipH="1">
+            <a:off x="1549668" y="1268984"/>
+            <a:ext cx="449501" cy="262229"/>
+          </a:xfrm>
+          <a:prstGeom prst="straightConnector1">
+            <a:avLst/>
+          </a:prstGeom>
+          <a:ln w="57150">
+            <a:tailEnd type="triangle"/>
+          </a:ln>
+        </p:spPr>
+        <p:style>
+          <a:lnRef idx="1">
+            <a:schemeClr val="dk1"/>
+          </a:lnRef>
+          <a:fillRef idx="0">
+            <a:schemeClr val="dk1"/>
+          </a:fillRef>
+          <a:effectRef idx="0">
+            <a:schemeClr val="dk1"/>
+          </a:effectRef>
+          <a:fontRef idx="minor">
+            <a:schemeClr val="tx1"/>
+          </a:fontRef>
+        </p:style>
+      </p:cxnSp>
+      <p:cxnSp>
+        <p:nvCxnSpPr>
+          <p:cNvPr id="27" name="Straight Arrow Connector 26">
+            <a:extLst>
+              <a:ext uri="{FF2B5EF4-FFF2-40B4-BE49-F238E27FC236}">
+                <a16:creationId xmlns:a16="http://schemas.microsoft.com/office/drawing/2014/main" id="{66B07503-1D8E-4864-93A5-9A2DFA97E125}"/>
+              </a:ext>
+            </a:extLst>
+          </p:cNvPr>
+          <p:cNvCxnSpPr>
+            <a:cxnSpLocks/>
+            <a:stCxn id="10" idx="6"/>
+            <a:endCxn id="11" idx="0"/>
+          </p:cNvCxnSpPr>
+          <p:nvPr/>
+        </p:nvCxnSpPr>
+        <p:spPr>
+          <a:xfrm>
+            <a:off x="2439389" y="1268984"/>
+            <a:ext cx="584128" cy="262230"/>
+          </a:xfrm>
+          <a:prstGeom prst="straightConnector1">
+            <a:avLst/>
+          </a:prstGeom>
+          <a:ln w="57150">
+            <a:tailEnd type="triangle"/>
+          </a:ln>
+        </p:spPr>
+        <p:style>
+          <a:lnRef idx="1">
+            <a:schemeClr val="dk1"/>
+          </a:lnRef>
+          <a:fillRef idx="0">
+            <a:schemeClr val="dk1"/>
+          </a:fillRef>
+          <a:effectRef idx="0">
+            <a:schemeClr val="dk1"/>
+          </a:effectRef>
+          <a:fontRef idx="minor">
+            <a:schemeClr val="tx1"/>
+          </a:fontRef>
+        </p:style>
+      </p:cxnSp>
+      <p:cxnSp>
+        <p:nvCxnSpPr>
+          <p:cNvPr id="30" name="Straight Arrow Connector 29">
+            <a:extLst>
+              <a:ext uri="{FF2B5EF4-FFF2-40B4-BE49-F238E27FC236}">
+                <a16:creationId xmlns:a16="http://schemas.microsoft.com/office/drawing/2014/main" id="{C68AED0E-E1F3-4AF9-855C-8CAD47BD492E}"/>
+              </a:ext>
+            </a:extLst>
+          </p:cNvPr>
+          <p:cNvCxnSpPr>
+            <a:cxnSpLocks/>
+            <a:stCxn id="11" idx="2"/>
+            <a:endCxn id="13" idx="0"/>
+          </p:cNvCxnSpPr>
+          <p:nvPr/>
+        </p:nvCxnSpPr>
+        <p:spPr>
+          <a:xfrm flipH="1">
+            <a:off x="2438526" y="1743249"/>
+            <a:ext cx="364881" cy="279164"/>
+          </a:xfrm>
+          <a:prstGeom prst="straightConnector1">
+            <a:avLst/>
+          </a:prstGeom>
+          <a:ln w="57150">
+            <a:tailEnd type="triangle"/>
+          </a:ln>
+        </p:spPr>
+        <p:style>
+          <a:lnRef idx="1">
+            <a:schemeClr val="dk1"/>
+          </a:lnRef>
+          <a:fillRef idx="0">
+            <a:schemeClr val="dk1"/>
+          </a:fillRef>
+          <a:effectRef idx="0">
+            <a:schemeClr val="dk1"/>
+          </a:effectRef>
+          <a:fontRef idx="minor">
+            <a:schemeClr val="tx1"/>
+          </a:fontRef>
+        </p:style>
+      </p:cxnSp>
+      <p:cxnSp>
+        <p:nvCxnSpPr>
+          <p:cNvPr id="33" name="Straight Arrow Connector 32">
+            <a:extLst>
+              <a:ext uri="{FF2B5EF4-FFF2-40B4-BE49-F238E27FC236}">
+                <a16:creationId xmlns:a16="http://schemas.microsoft.com/office/drawing/2014/main" id="{D2DE9751-32A1-451B-BC26-EBA0BA5B1E18}"/>
+              </a:ext>
+            </a:extLst>
+          </p:cNvPr>
+          <p:cNvCxnSpPr>
+            <a:cxnSpLocks/>
+            <a:stCxn id="11" idx="6"/>
+            <a:endCxn id="14" idx="0"/>
+          </p:cNvCxnSpPr>
+          <p:nvPr/>
+        </p:nvCxnSpPr>
+        <p:spPr>
+          <a:xfrm>
+            <a:off x="3243627" y="1743249"/>
+            <a:ext cx="364883" cy="279164"/>
+          </a:xfrm>
+          <a:prstGeom prst="straightConnector1">
+            <a:avLst/>
+          </a:prstGeom>
+          <a:ln w="57150">
+            <a:tailEnd type="triangle"/>
+          </a:ln>
+        </p:spPr>
+        <p:style>
+          <a:lnRef idx="1">
+            <a:schemeClr val="dk1"/>
+          </a:lnRef>
+          <a:fillRef idx="0">
+            <a:schemeClr val="dk1"/>
+          </a:fillRef>
+          <a:effectRef idx="0">
+            <a:schemeClr val="dk1"/>
+          </a:effectRef>
+          <a:fontRef idx="minor">
+            <a:schemeClr val="tx1"/>
+          </a:fontRef>
+        </p:style>
+      </p:cxnSp>
+      <p:cxnSp>
+        <p:nvCxnSpPr>
+          <p:cNvPr id="36" name="Straight Arrow Connector 35">
+            <a:extLst>
+              <a:ext uri="{FF2B5EF4-FFF2-40B4-BE49-F238E27FC236}">
+                <a16:creationId xmlns:a16="http://schemas.microsoft.com/office/drawing/2014/main" id="{3BD57B6F-BAFD-4783-8BD8-400ACD5155AF}"/>
+              </a:ext>
+            </a:extLst>
+          </p:cNvPr>
+          <p:cNvCxnSpPr>
+            <a:cxnSpLocks/>
+            <a:stCxn id="14" idx="2"/>
+            <a:endCxn id="15" idx="0"/>
+          </p:cNvCxnSpPr>
+          <p:nvPr/>
+        </p:nvCxnSpPr>
+        <p:spPr>
+          <a:xfrm flipH="1">
+            <a:off x="3168290" y="2234448"/>
+            <a:ext cx="220110" cy="346414"/>
+          </a:xfrm>
+          <a:prstGeom prst="straightConnector1">
+            <a:avLst/>
+          </a:prstGeom>
+          <a:ln w="57150">
+            <a:tailEnd type="triangle"/>
+          </a:ln>
+        </p:spPr>
+        <p:style>
+          <a:lnRef idx="1">
+            <a:schemeClr val="dk1"/>
+          </a:lnRef>
+          <a:fillRef idx="0">
+            <a:schemeClr val="dk1"/>
+          </a:fillRef>
+          <a:effectRef idx="0">
+            <a:schemeClr val="dk1"/>
+          </a:effectRef>
+          <a:fontRef idx="minor">
+            <a:schemeClr val="tx1"/>
+          </a:fontRef>
+        </p:style>
+      </p:cxnSp>
+      <p:sp>
+        <p:nvSpPr>
+          <p:cNvPr id="39" name="Oval 38">
+            <a:extLst>
+              <a:ext uri="{FF2B5EF4-FFF2-40B4-BE49-F238E27FC236}">
+                <a16:creationId xmlns:a16="http://schemas.microsoft.com/office/drawing/2014/main" id="{AF134C5E-54E2-4B4D-B954-0B46D4A1A914}"/>
+              </a:ext>
+            </a:extLst>
+          </p:cNvPr>
+          <p:cNvSpPr/>
+          <p:nvPr/>
+        </p:nvSpPr>
+        <p:spPr>
+          <a:xfrm>
+            <a:off x="5972512" y="1481018"/>
+            <a:ext cx="440220" cy="424069"/>
+          </a:xfrm>
+          <a:prstGeom prst="ellipse">
+            <a:avLst/>
+          </a:prstGeom>
+          <a:noFill/>
+          <a:ln w="38100">
+            <a:solidFill>
+              <a:schemeClr val="tx1"/>
+            </a:solidFill>
+          </a:ln>
+        </p:spPr>
+        <p:style>
+          <a:lnRef idx="2">
+            <a:schemeClr val="accent1">
+              <a:shade val="50000"/>
+            </a:schemeClr>
+          </a:lnRef>
+          <a:fillRef idx="1">
+            <a:schemeClr val="accent1"/>
+          </a:fillRef>
+          <a:effectRef idx="0">
+            <a:schemeClr val="accent1"/>
+          </a:effectRef>
+          <a:fontRef idx="minor">
+            <a:schemeClr val="lt1"/>
+          </a:fontRef>
+        </p:style>
+        <p:txBody>
+          <a:bodyPr rtlCol="0" anchor="ctr"/>
+          <a:lstStyle/>
+          <a:p>
+            <a:pPr algn="ctr"/>
+            <a:r>
+              <a:rPr lang="en-US" sz="900" b="1" dirty="0">
+                <a:solidFill>
+                  <a:schemeClr val="tx1"/>
+                </a:solidFill>
+              </a:rPr>
+              <a:t>20</a:t>
+            </a:r>
+          </a:p>
+        </p:txBody>
+      </p:sp>
+      <p:sp>
+        <p:nvSpPr>
+          <p:cNvPr id="40" name="Oval 39">
+            <a:extLst>
+              <a:ext uri="{FF2B5EF4-FFF2-40B4-BE49-F238E27FC236}">
+                <a16:creationId xmlns:a16="http://schemas.microsoft.com/office/drawing/2014/main" id="{248BA971-9702-4F51-975B-E95322F311D8}"/>
+              </a:ext>
+            </a:extLst>
+          </p:cNvPr>
+          <p:cNvSpPr/>
+          <p:nvPr/>
+        </p:nvSpPr>
+        <p:spPr>
+          <a:xfrm>
+            <a:off x="6776750" y="1955283"/>
+            <a:ext cx="440220" cy="424069"/>
+          </a:xfrm>
+          <a:prstGeom prst="ellipse">
+            <a:avLst/>
+          </a:prstGeom>
+          <a:noFill/>
+          <a:ln w="38100">
+            <a:solidFill>
+              <a:schemeClr val="tx1"/>
+            </a:solidFill>
+          </a:ln>
+        </p:spPr>
+        <p:style>
+          <a:lnRef idx="2">
+            <a:schemeClr val="accent1">
+              <a:shade val="50000"/>
+            </a:schemeClr>
+          </a:lnRef>
+          <a:fillRef idx="1">
+            <a:schemeClr val="accent1"/>
+          </a:fillRef>
+          <a:effectRef idx="0">
+            <a:schemeClr val="accent1"/>
+          </a:effectRef>
+          <a:fontRef idx="minor">
+            <a:schemeClr val="lt1"/>
+          </a:fontRef>
+        </p:style>
+        <p:txBody>
+          <a:bodyPr rtlCol="0" anchor="ctr"/>
+          <a:lstStyle/>
+          <a:p>
+            <a:pPr algn="ctr"/>
+            <a:r>
+              <a:rPr lang="en-US" sz="900" b="1" dirty="0">
+                <a:solidFill>
+                  <a:schemeClr val="tx1"/>
+                </a:solidFill>
+              </a:rPr>
+              <a:t>44</a:t>
+            </a:r>
+          </a:p>
+        </p:txBody>
+      </p:sp>
+      <p:sp>
+        <p:nvSpPr>
+          <p:cNvPr id="41" name="Oval 40">
+            <a:extLst>
+              <a:ext uri="{FF2B5EF4-FFF2-40B4-BE49-F238E27FC236}">
+                <a16:creationId xmlns:a16="http://schemas.microsoft.com/office/drawing/2014/main" id="{D1EE8313-DD20-4628-AC00-3AC01C852414}"/>
+              </a:ext>
+            </a:extLst>
+          </p:cNvPr>
+          <p:cNvSpPr/>
+          <p:nvPr/>
+        </p:nvSpPr>
+        <p:spPr>
+          <a:xfrm>
+            <a:off x="5302901" y="1955282"/>
+            <a:ext cx="440220" cy="424069"/>
+          </a:xfrm>
+          <a:prstGeom prst="ellipse">
+            <a:avLst/>
+          </a:prstGeom>
+          <a:noFill/>
+          <a:ln w="38100">
+            <a:solidFill>
+              <a:schemeClr val="tx1"/>
+            </a:solidFill>
+          </a:ln>
+        </p:spPr>
+        <p:style>
+          <a:lnRef idx="2">
+            <a:schemeClr val="accent1">
+              <a:shade val="50000"/>
+            </a:schemeClr>
+          </a:lnRef>
+          <a:fillRef idx="1">
+            <a:schemeClr val="accent1"/>
+          </a:fillRef>
+          <a:effectRef idx="0">
+            <a:schemeClr val="accent1"/>
+          </a:effectRef>
+          <a:fontRef idx="minor">
+            <a:schemeClr val="lt1"/>
+          </a:fontRef>
+        </p:style>
+        <p:txBody>
+          <a:bodyPr rtlCol="0" anchor="ctr"/>
+          <a:lstStyle/>
+          <a:p>
+            <a:pPr algn="ctr"/>
+            <a:r>
+              <a:rPr lang="en-US" sz="900" b="1" dirty="0">
+                <a:solidFill>
+                  <a:schemeClr val="tx1"/>
+                </a:solidFill>
+              </a:rPr>
+              <a:t>18</a:t>
+            </a:r>
+          </a:p>
+        </p:txBody>
+      </p:sp>
+      <p:sp>
+        <p:nvSpPr>
+          <p:cNvPr id="42" name="Oval 41">
+            <a:extLst>
+              <a:ext uri="{FF2B5EF4-FFF2-40B4-BE49-F238E27FC236}">
+                <a16:creationId xmlns:a16="http://schemas.microsoft.com/office/drawing/2014/main" id="{B4F0D4A8-30C0-408D-BFBD-AFBBB3DA20C5}"/>
+              </a:ext>
+            </a:extLst>
+          </p:cNvPr>
+          <p:cNvSpPr/>
+          <p:nvPr/>
+        </p:nvSpPr>
+        <p:spPr>
+          <a:xfrm>
+            <a:off x="6191759" y="2446482"/>
+            <a:ext cx="440220" cy="424069"/>
+          </a:xfrm>
+          <a:prstGeom prst="ellipse">
+            <a:avLst/>
+          </a:prstGeom>
+          <a:noFill/>
+          <a:ln w="38100">
+            <a:solidFill>
+              <a:schemeClr val="tx1"/>
+            </a:solidFill>
+          </a:ln>
+        </p:spPr>
+        <p:style>
+          <a:lnRef idx="2">
+            <a:schemeClr val="accent1">
+              <a:shade val="50000"/>
+            </a:schemeClr>
+          </a:lnRef>
+          <a:fillRef idx="1">
+            <a:schemeClr val="accent1"/>
+          </a:fillRef>
+          <a:effectRef idx="0">
+            <a:schemeClr val="accent1"/>
+          </a:effectRef>
+          <a:fontRef idx="minor">
+            <a:schemeClr val="lt1"/>
+          </a:fontRef>
+        </p:style>
+        <p:txBody>
+          <a:bodyPr rtlCol="0" anchor="ctr"/>
+          <a:lstStyle/>
+          <a:p>
+            <a:pPr algn="ctr"/>
+            <a:r>
+              <a:rPr lang="en-US" sz="900" b="1" dirty="0">
+                <a:solidFill>
+                  <a:schemeClr val="tx1"/>
+                </a:solidFill>
+              </a:rPr>
+              <a:t>33</a:t>
+            </a:r>
+          </a:p>
+        </p:txBody>
+      </p:sp>
+      <p:sp>
+        <p:nvSpPr>
+          <p:cNvPr id="43" name="Oval 42">
+            <a:extLst>
+              <a:ext uri="{FF2B5EF4-FFF2-40B4-BE49-F238E27FC236}">
+                <a16:creationId xmlns:a16="http://schemas.microsoft.com/office/drawing/2014/main" id="{AC9499E1-8B74-4616-A2A1-1A1DF531C125}"/>
+              </a:ext>
+            </a:extLst>
+          </p:cNvPr>
+          <p:cNvSpPr/>
+          <p:nvPr/>
+        </p:nvSpPr>
+        <p:spPr>
+          <a:xfrm>
+            <a:off x="7361743" y="2446482"/>
+            <a:ext cx="440220" cy="424069"/>
+          </a:xfrm>
+          <a:prstGeom prst="ellipse">
+            <a:avLst/>
+          </a:prstGeom>
+          <a:noFill/>
+          <a:ln w="38100">
+            <a:solidFill>
+              <a:schemeClr val="tx1"/>
+            </a:solidFill>
+          </a:ln>
+        </p:spPr>
+        <p:style>
+          <a:lnRef idx="2">
+            <a:schemeClr val="accent1">
+              <a:shade val="50000"/>
+            </a:schemeClr>
+          </a:lnRef>
+          <a:fillRef idx="1">
+            <a:schemeClr val="accent1"/>
+          </a:fillRef>
+          <a:effectRef idx="0">
+            <a:schemeClr val="accent1"/>
+          </a:effectRef>
+          <a:fontRef idx="minor">
+            <a:schemeClr val="lt1"/>
+          </a:fontRef>
+        </p:style>
+        <p:txBody>
+          <a:bodyPr rtlCol="0" anchor="ctr"/>
+          <a:lstStyle/>
+          <a:p>
+            <a:pPr algn="ctr"/>
+            <a:r>
+              <a:rPr lang="en-US" sz="900" b="1" dirty="0">
+                <a:solidFill>
+                  <a:schemeClr val="tx1"/>
+                </a:solidFill>
+              </a:rPr>
+              <a:t>64</a:t>
+            </a:r>
+          </a:p>
+        </p:txBody>
+      </p:sp>
+      <p:sp>
+        <p:nvSpPr>
+          <p:cNvPr id="44" name="Oval 43">
+            <a:extLst>
+              <a:ext uri="{FF2B5EF4-FFF2-40B4-BE49-F238E27FC236}">
+                <a16:creationId xmlns:a16="http://schemas.microsoft.com/office/drawing/2014/main" id="{32529DDD-02BE-4876-8F4D-215F36B9A22C}"/>
+              </a:ext>
+            </a:extLst>
+          </p:cNvPr>
+          <p:cNvSpPr/>
+          <p:nvPr/>
+        </p:nvSpPr>
+        <p:spPr>
+          <a:xfrm>
+            <a:off x="6921523" y="3004931"/>
+            <a:ext cx="440220" cy="424069"/>
+          </a:xfrm>
+          <a:prstGeom prst="ellipse">
+            <a:avLst/>
+          </a:prstGeom>
+          <a:noFill/>
+          <a:ln w="38100">
+            <a:solidFill>
+              <a:schemeClr val="tx1"/>
+            </a:solidFill>
+          </a:ln>
+        </p:spPr>
+        <p:style>
+          <a:lnRef idx="2">
+            <a:schemeClr val="accent1">
+              <a:shade val="50000"/>
+            </a:schemeClr>
+          </a:lnRef>
+          <a:fillRef idx="1">
+            <a:schemeClr val="accent1"/>
+          </a:fillRef>
+          <a:effectRef idx="0">
+            <a:schemeClr val="accent1"/>
+          </a:effectRef>
+          <a:fontRef idx="minor">
+            <a:schemeClr val="lt1"/>
+          </a:fontRef>
+        </p:style>
+        <p:txBody>
+          <a:bodyPr rtlCol="0" anchor="ctr"/>
+          <a:lstStyle/>
+          <a:p>
+            <a:pPr algn="ctr"/>
+            <a:r>
+              <a:rPr lang="en-US" sz="900" b="1" dirty="0">
+                <a:solidFill>
+                  <a:schemeClr val="tx1"/>
+                </a:solidFill>
+              </a:rPr>
+              <a:t>55</a:t>
+            </a:r>
+          </a:p>
+        </p:txBody>
+      </p:sp>
+      <p:cxnSp>
+        <p:nvCxnSpPr>
+          <p:cNvPr id="45" name="Straight Arrow Connector 44">
+            <a:extLst>
+              <a:ext uri="{FF2B5EF4-FFF2-40B4-BE49-F238E27FC236}">
+                <a16:creationId xmlns:a16="http://schemas.microsoft.com/office/drawing/2014/main" id="{7D1EB183-46C1-49AF-8BDD-3C381C8E5E75}"/>
+              </a:ext>
+            </a:extLst>
+          </p:cNvPr>
+          <p:cNvCxnSpPr/>
+          <p:nvPr/>
+        </p:nvCxnSpPr>
+        <p:spPr>
+          <a:xfrm flipH="1">
+            <a:off x="5523011" y="1693053"/>
+            <a:ext cx="449501" cy="262229"/>
+          </a:xfrm>
+          <a:prstGeom prst="straightConnector1">
+            <a:avLst/>
+          </a:prstGeom>
+          <a:ln w="57150">
+            <a:tailEnd type="triangle"/>
+          </a:ln>
+        </p:spPr>
+        <p:style>
+          <a:lnRef idx="1">
+            <a:schemeClr val="dk1"/>
+          </a:lnRef>
+          <a:fillRef idx="0">
+            <a:schemeClr val="dk1"/>
+          </a:fillRef>
+          <a:effectRef idx="0">
+            <a:schemeClr val="dk1"/>
+          </a:effectRef>
+          <a:fontRef idx="minor">
+            <a:schemeClr val="tx1"/>
+          </a:fontRef>
+        </p:style>
+      </p:cxnSp>
+      <p:cxnSp>
+        <p:nvCxnSpPr>
+          <p:cNvPr id="46" name="Straight Arrow Connector 45">
+            <a:extLst>
+              <a:ext uri="{FF2B5EF4-FFF2-40B4-BE49-F238E27FC236}">
+                <a16:creationId xmlns:a16="http://schemas.microsoft.com/office/drawing/2014/main" id="{0E588FA2-B1B5-4F69-9AD2-2E72D8A319B2}"/>
+              </a:ext>
+            </a:extLst>
+          </p:cNvPr>
+          <p:cNvCxnSpPr>
+            <a:cxnSpLocks/>
+            <a:stCxn id="39" idx="6"/>
+            <a:endCxn id="40" idx="0"/>
+          </p:cNvCxnSpPr>
+          <p:nvPr/>
+        </p:nvCxnSpPr>
+        <p:spPr>
+          <a:xfrm>
+            <a:off x="6412732" y="1693053"/>
+            <a:ext cx="584128" cy="262230"/>
+          </a:xfrm>
+          <a:prstGeom prst="straightConnector1">
+            <a:avLst/>
+          </a:prstGeom>
+          <a:ln w="57150">
+            <a:tailEnd type="triangle"/>
+          </a:ln>
+        </p:spPr>
+        <p:style>
+          <a:lnRef idx="1">
+            <a:schemeClr val="dk1"/>
+          </a:lnRef>
+          <a:fillRef idx="0">
+            <a:schemeClr val="dk1"/>
+          </a:fillRef>
+          <a:effectRef idx="0">
+            <a:schemeClr val="dk1"/>
+          </a:effectRef>
+          <a:fontRef idx="minor">
+            <a:schemeClr val="tx1"/>
+          </a:fontRef>
+        </p:style>
+      </p:cxnSp>
+      <p:cxnSp>
+        <p:nvCxnSpPr>
+          <p:cNvPr id="47" name="Straight Arrow Connector 46">
+            <a:extLst>
+              <a:ext uri="{FF2B5EF4-FFF2-40B4-BE49-F238E27FC236}">
+                <a16:creationId xmlns:a16="http://schemas.microsoft.com/office/drawing/2014/main" id="{2DA4A992-A5C2-4004-92B5-F511DE85D130}"/>
+              </a:ext>
+            </a:extLst>
+          </p:cNvPr>
+          <p:cNvCxnSpPr>
+            <a:cxnSpLocks/>
+            <a:stCxn id="40" idx="2"/>
+            <a:endCxn id="42" idx="0"/>
+          </p:cNvCxnSpPr>
+          <p:nvPr/>
+        </p:nvCxnSpPr>
+        <p:spPr>
+          <a:xfrm flipH="1">
+            <a:off x="6411869" y="2167318"/>
+            <a:ext cx="364881" cy="279164"/>
+          </a:xfrm>
+          <a:prstGeom prst="straightConnector1">
+            <a:avLst/>
+          </a:prstGeom>
+          <a:ln w="57150">
+            <a:tailEnd type="triangle"/>
+          </a:ln>
+        </p:spPr>
+        <p:style>
+          <a:lnRef idx="1">
+            <a:schemeClr val="dk1"/>
+          </a:lnRef>
+          <a:fillRef idx="0">
+            <a:schemeClr val="dk1"/>
+          </a:fillRef>
+          <a:effectRef idx="0">
+            <a:schemeClr val="dk1"/>
+          </a:effectRef>
+          <a:fontRef idx="minor">
+            <a:schemeClr val="tx1"/>
+          </a:fontRef>
+        </p:style>
+      </p:cxnSp>
+      <p:cxnSp>
+        <p:nvCxnSpPr>
+          <p:cNvPr id="48" name="Straight Arrow Connector 47">
+            <a:extLst>
+              <a:ext uri="{FF2B5EF4-FFF2-40B4-BE49-F238E27FC236}">
+                <a16:creationId xmlns:a16="http://schemas.microsoft.com/office/drawing/2014/main" id="{0E0EE8C6-AED4-4C88-BC1D-F6A56C763399}"/>
+              </a:ext>
+            </a:extLst>
+          </p:cNvPr>
+          <p:cNvCxnSpPr>
+            <a:cxnSpLocks/>
+            <a:stCxn id="40" idx="6"/>
+            <a:endCxn id="43" idx="0"/>
+          </p:cNvCxnSpPr>
+          <p:nvPr/>
+        </p:nvCxnSpPr>
+        <p:spPr>
+          <a:xfrm>
+            <a:off x="7216970" y="2167318"/>
+            <a:ext cx="364883" cy="279164"/>
+          </a:xfrm>
+          <a:prstGeom prst="straightConnector1">
+            <a:avLst/>
+          </a:prstGeom>
+          <a:ln w="57150">
+            <a:tailEnd type="triangle"/>
+          </a:ln>
+        </p:spPr>
+        <p:style>
+          <a:lnRef idx="1">
+            <a:schemeClr val="dk1"/>
+          </a:lnRef>
+          <a:fillRef idx="0">
+            <a:schemeClr val="dk1"/>
+          </a:fillRef>
+          <a:effectRef idx="0">
+            <a:schemeClr val="dk1"/>
+          </a:effectRef>
+          <a:fontRef idx="minor">
+            <a:schemeClr val="tx1"/>
+          </a:fontRef>
+        </p:style>
+      </p:cxnSp>
+      <p:cxnSp>
+        <p:nvCxnSpPr>
+          <p:cNvPr id="49" name="Straight Arrow Connector 48">
+            <a:extLst>
+              <a:ext uri="{FF2B5EF4-FFF2-40B4-BE49-F238E27FC236}">
+                <a16:creationId xmlns:a16="http://schemas.microsoft.com/office/drawing/2014/main" id="{9D9861BC-A97F-49C3-AB67-04843FAF3D46}"/>
+              </a:ext>
+            </a:extLst>
+          </p:cNvPr>
+          <p:cNvCxnSpPr>
+            <a:cxnSpLocks/>
+            <a:stCxn id="43" idx="2"/>
+            <a:endCxn id="44" idx="0"/>
+          </p:cNvCxnSpPr>
+          <p:nvPr/>
+        </p:nvCxnSpPr>
+        <p:spPr>
+          <a:xfrm flipH="1">
+            <a:off x="7141633" y="2658517"/>
+            <a:ext cx="220110" cy="346414"/>
+          </a:xfrm>
+          <a:prstGeom prst="straightConnector1">
+            <a:avLst/>
+          </a:prstGeom>
+          <a:ln w="57150">
+            <a:tailEnd type="triangle"/>
+          </a:ln>
+        </p:spPr>
+        <p:style>
+          <a:lnRef idx="1">
+            <a:schemeClr val="dk1"/>
+          </a:lnRef>
+          <a:fillRef idx="0">
+            <a:schemeClr val="dk1"/>
+          </a:fillRef>
+          <a:effectRef idx="0">
+            <a:schemeClr val="dk1"/>
+          </a:effectRef>
+          <a:fontRef idx="minor">
+            <a:schemeClr val="tx1"/>
+          </a:fontRef>
+        </p:style>
+      </p:cxnSp>
+    </p:spTree>
+    <p:extLst>
+      <p:ext uri="{BB962C8B-B14F-4D97-AF65-F5344CB8AC3E}">
+        <p14:creationId xmlns:p14="http://schemas.microsoft.com/office/powerpoint/2010/main" val="3019350580"/>
+      </p:ext>
+    </p:extLst>
+  </p:cSld>
+  <p:clrMapOvr>
+    <a:masterClrMapping/>
+  </p:clrMapOvr>
+</p:sld>
+</file>
+
+<file path=ppt/slides/slide3.xml><?xml version="1.0" encoding="utf-8"?>
+<p:sld xmlns:a="http://schemas.openxmlformats.org/drawingml/2006/main" xmlns:r="http://schemas.openxmlformats.org/officeDocument/2006/relationships" xmlns:p="http://schemas.openxmlformats.org/presentationml/2006/main">
+  <p:cSld>
+    <p:spTree>
+      <p:nvGrpSpPr>
+        <p:cNvPr id="1" name=""/>
+        <p:cNvGrpSpPr/>
+        <p:nvPr/>
+      </p:nvGrpSpPr>
+      <p:grpSpPr>
+        <a:xfrm>
+          <a:off x="0" y="0"/>
+          <a:ext cx="0" cy="0"/>
+          <a:chOff x="0" y="0"/>
+          <a:chExt cx="0" cy="0"/>
+        </a:xfrm>
+      </p:grpSpPr>
       <p:pic>
         <p:nvPicPr>
           <p:cNvPr id="4" name="Picture 3" descr="A screenshot of a cell phone&#10;&#10;Description automatically generated">
